--- a/images/unsafeiterator.pptx
+++ b/images/unsafeiterator.pptx
@@ -104,6 +104,22 @@
       </a:defRPr>
     </a:lvl9pPr>
   </p:defaultTextStyle>
+  <p:extLst>
+    <p:ext uri="{EFAFB233-063F-42B5-8137-9DF3F51BA10A}">
+      <p15:sldGuideLst xmlns:p15="http://schemas.microsoft.com/office/powerpoint/2012/main">
+        <p15:guide id="1" orient="horz" pos="2160">
+          <p15:clr>
+            <a:srgbClr val="A4A3A4"/>
+          </p15:clr>
+        </p15:guide>
+        <p15:guide id="2" pos="2880">
+          <p15:clr>
+            <a:srgbClr val="A4A3A4"/>
+          </p15:clr>
+        </p15:guide>
+      </p15:sldGuideLst>
+    </p:ext>
+  </p:extLst>
 </p:presentation>
 </file>
 
@@ -288,7 +304,7 @@
           <a:p>
             <a:fld id="{9E7904E3-808F-8A4F-9CAC-213372F06B48}" type="datetimeFigureOut">
               <a:rPr lang="en-US" smtClean="0"/>
-              <a:t>22/02/15</a:t>
+              <a:t>3/11/2016</a:t>
             </a:fld>
             <a:endParaRPr lang="en-US"/>
           </a:p>
@@ -458,7 +474,7 @@
           <a:p>
             <a:fld id="{9E7904E3-808F-8A4F-9CAC-213372F06B48}" type="datetimeFigureOut">
               <a:rPr lang="en-US" smtClean="0"/>
-              <a:t>22/02/15</a:t>
+              <a:t>3/11/2016</a:t>
             </a:fld>
             <a:endParaRPr lang="en-US"/>
           </a:p>
@@ -638,7 +654,7 @@
           <a:p>
             <a:fld id="{9E7904E3-808F-8A4F-9CAC-213372F06B48}" type="datetimeFigureOut">
               <a:rPr lang="en-US" smtClean="0"/>
-              <a:t>22/02/15</a:t>
+              <a:t>3/11/2016</a:t>
             </a:fld>
             <a:endParaRPr lang="en-US"/>
           </a:p>
@@ -808,7 +824,7 @@
           <a:p>
             <a:fld id="{9E7904E3-808F-8A4F-9CAC-213372F06B48}" type="datetimeFigureOut">
               <a:rPr lang="en-US" smtClean="0"/>
-              <a:t>22/02/15</a:t>
+              <a:t>3/11/2016</a:t>
             </a:fld>
             <a:endParaRPr lang="en-US"/>
           </a:p>
@@ -1054,7 +1070,7 @@
           <a:p>
             <a:fld id="{9E7904E3-808F-8A4F-9CAC-213372F06B48}" type="datetimeFigureOut">
               <a:rPr lang="en-US" smtClean="0"/>
-              <a:t>22/02/15</a:t>
+              <a:t>3/11/2016</a:t>
             </a:fld>
             <a:endParaRPr lang="en-US"/>
           </a:p>
@@ -1342,7 +1358,7 @@
           <a:p>
             <a:fld id="{9E7904E3-808F-8A4F-9CAC-213372F06B48}" type="datetimeFigureOut">
               <a:rPr lang="en-US" smtClean="0"/>
-              <a:t>22/02/15</a:t>
+              <a:t>3/11/2016</a:t>
             </a:fld>
             <a:endParaRPr lang="en-US"/>
           </a:p>
@@ -1764,7 +1780,7 @@
           <a:p>
             <a:fld id="{9E7904E3-808F-8A4F-9CAC-213372F06B48}" type="datetimeFigureOut">
               <a:rPr lang="en-US" smtClean="0"/>
-              <a:t>22/02/15</a:t>
+              <a:t>3/11/2016</a:t>
             </a:fld>
             <a:endParaRPr lang="en-US"/>
           </a:p>
@@ -1882,7 +1898,7 @@
           <a:p>
             <a:fld id="{9E7904E3-808F-8A4F-9CAC-213372F06B48}" type="datetimeFigureOut">
               <a:rPr lang="en-US" smtClean="0"/>
-              <a:t>22/02/15</a:t>
+              <a:t>3/11/2016</a:t>
             </a:fld>
             <a:endParaRPr lang="en-US"/>
           </a:p>
@@ -1977,7 +1993,7 @@
           <a:p>
             <a:fld id="{9E7904E3-808F-8A4F-9CAC-213372F06B48}" type="datetimeFigureOut">
               <a:rPr lang="en-US" smtClean="0"/>
-              <a:t>22/02/15</a:t>
+              <a:t>3/11/2016</a:t>
             </a:fld>
             <a:endParaRPr lang="en-US"/>
           </a:p>
@@ -2254,7 +2270,7 @@
           <a:p>
             <a:fld id="{9E7904E3-808F-8A4F-9CAC-213372F06B48}" type="datetimeFigureOut">
               <a:rPr lang="en-US" smtClean="0"/>
-              <a:t>22/02/15</a:t>
+              <a:t>3/11/2016</a:t>
             </a:fld>
             <a:endParaRPr lang="en-US"/>
           </a:p>
@@ -2507,7 +2523,7 @@
           <a:p>
             <a:fld id="{9E7904E3-808F-8A4F-9CAC-213372F06B48}" type="datetimeFigureOut">
               <a:rPr lang="en-US" smtClean="0"/>
-              <a:t>22/02/15</a:t>
+              <a:t>3/11/2016</a:t>
             </a:fld>
             <a:endParaRPr lang="en-US"/>
           </a:p>
@@ -2720,7 +2736,7 @@
           <a:p>
             <a:fld id="{9E7904E3-808F-8A4F-9CAC-213372F06B48}" type="datetimeFigureOut">
               <a:rPr lang="en-US" smtClean="0"/>
-              <a:t>22/02/15</a:t>
+              <a:t>3/11/2016</a:t>
             </a:fld>
             <a:endParaRPr lang="en-US"/>
           </a:p>
@@ -3157,393 +3173,366 @@
           </a:p>
         </p:txBody>
       </p:sp>
-      <p:grpSp>
-        <p:nvGrpSpPr>
-          <p:cNvPr id="58" name="Group 57"/>
-          <p:cNvGrpSpPr/>
+      <p:sp>
+        <p:nvSpPr>
+          <p:cNvPr id="2052" name="Oval 4"/>
+          <p:cNvSpPr>
+            <a:spLocks noChangeArrowheads="1"/>
+          </p:cNvSpPr>
           <p:nvPr/>
-        </p:nvGrpSpPr>
-        <p:grpSpPr>
+        </p:nvSpPr>
+        <p:spPr bwMode="auto">
           <a:xfrm>
-            <a:off x="838225" y="2439059"/>
-            <a:ext cx="7471205" cy="2513943"/>
-            <a:chOff x="2818801" y="2176659"/>
-            <a:chExt cx="3134324" cy="1026799"/>
-          </a:xfrm>
-        </p:grpSpPr>
-        <p:sp>
-          <p:nvSpPr>
-            <p:cNvPr id="2052" name="Oval 4"/>
-            <p:cNvSpPr>
-              <a:spLocks noChangeArrowheads="1"/>
-            </p:cNvSpPr>
-            <p:nvPr/>
-          </p:nvSpPr>
-          <p:spPr bwMode="auto">
-            <a:xfrm>
-              <a:off x="4563185" y="2372975"/>
-              <a:ext cx="389273" cy="394826"/>
-            </a:xfrm>
-            <a:prstGeom prst="ellipse">
+            <a:off x="4996267" y="2919705"/>
+            <a:ext cx="927900" cy="966664"/>
+          </a:xfrm>
+          <a:prstGeom prst="ellipse">
+            <a:avLst/>
+          </a:prstGeom>
+          <a:solidFill>
+            <a:srgbClr val="FFFFFF"/>
+          </a:solidFill>
+          <a:ln w="9525">
+            <a:solidFill>
+              <a:srgbClr val="000000"/>
+            </a:solidFill>
+            <a:round/>
+            <a:headEnd/>
+            <a:tailEnd/>
+          </a:ln>
+        </p:spPr>
+        <p:txBody>
+          <a:bodyPr vert="horz" wrap="square" lIns="91440" tIns="45720" rIns="91440" bIns="45720" numCol="1" anchor="t" anchorCtr="0" compatLnSpc="1">
+            <a:prstTxWarp prst="textNoShape">
               <a:avLst/>
-            </a:prstGeom>
+            </a:prstTxWarp>
+          </a:bodyPr>
+          <a:lstStyle/>
+          <a:p>
+            <a:endParaRPr lang="en-IN"/>
+          </a:p>
+        </p:txBody>
+      </p:sp>
+      <p:sp>
+        <p:nvSpPr>
+          <p:cNvPr id="2053" name="Oval 5"/>
+          <p:cNvSpPr>
+            <a:spLocks noChangeArrowheads="1"/>
+          </p:cNvSpPr>
+          <p:nvPr/>
+        </p:nvSpPr>
+        <p:spPr bwMode="auto">
+          <a:xfrm>
+            <a:off x="6892288" y="2993547"/>
+            <a:ext cx="927900" cy="966664"/>
+          </a:xfrm>
+          <a:prstGeom prst="ellipse">
+            <a:avLst/>
+          </a:prstGeom>
+          <a:solidFill>
+            <a:srgbClr val="FFFFFF"/>
+          </a:solidFill>
+          <a:ln w="9525">
             <a:solidFill>
-              <a:srgbClr val="FFFFFF"/>
+              <a:srgbClr val="000000"/>
             </a:solidFill>
-            <a:ln w="9525">
+            <a:round/>
+            <a:headEnd/>
+            <a:tailEnd/>
+          </a:ln>
+        </p:spPr>
+        <p:txBody>
+          <a:bodyPr vert="horz" wrap="square" lIns="91440" tIns="45720" rIns="91440" bIns="45720" numCol="1" anchor="t" anchorCtr="0" compatLnSpc="1">
+            <a:prstTxWarp prst="textNoShape">
+              <a:avLst/>
+            </a:prstTxWarp>
+          </a:bodyPr>
+          <a:lstStyle/>
+          <a:p>
+            <a:endParaRPr lang="en-IN"/>
+          </a:p>
+        </p:txBody>
+      </p:sp>
+      <p:sp>
+        <p:nvSpPr>
+          <p:cNvPr id="2054" name="Oval 6"/>
+          <p:cNvSpPr>
+            <a:spLocks noChangeArrowheads="1"/>
+          </p:cNvSpPr>
+          <p:nvPr/>
+        </p:nvSpPr>
+        <p:spPr bwMode="auto">
+          <a:xfrm>
+            <a:off x="2989023" y="2859288"/>
+            <a:ext cx="927900" cy="966664"/>
+          </a:xfrm>
+          <a:prstGeom prst="ellipse">
+            <a:avLst/>
+          </a:prstGeom>
+          <a:solidFill>
+            <a:srgbClr val="FFFFFF"/>
+          </a:solidFill>
+          <a:ln w="9525">
+            <a:solidFill>
+              <a:srgbClr val="000000"/>
+            </a:solidFill>
+            <a:round/>
+            <a:headEnd/>
+            <a:tailEnd/>
+          </a:ln>
+        </p:spPr>
+        <p:txBody>
+          <a:bodyPr vert="horz" wrap="square" lIns="91440" tIns="45720" rIns="91440" bIns="45720" numCol="1" anchor="t" anchorCtr="0" compatLnSpc="1">
+            <a:prstTxWarp prst="textNoShape">
+              <a:avLst/>
+            </a:prstTxWarp>
+          </a:bodyPr>
+          <a:lstStyle/>
+          <a:p>
+            <a:endParaRPr lang="en-IN"/>
+          </a:p>
+        </p:txBody>
+      </p:sp>
+      <p:sp>
+        <p:nvSpPr>
+          <p:cNvPr id="2056" name="Oval 8"/>
+          <p:cNvSpPr>
+            <a:spLocks noChangeArrowheads="1"/>
+          </p:cNvSpPr>
+          <p:nvPr/>
+        </p:nvSpPr>
+        <p:spPr bwMode="auto">
+          <a:xfrm>
+            <a:off x="838225" y="3564148"/>
+            <a:ext cx="927900" cy="966664"/>
+          </a:xfrm>
+          <a:prstGeom prst="ellipse">
+            <a:avLst/>
+          </a:prstGeom>
+          <a:solidFill>
+            <a:srgbClr val="FFFFFF"/>
+          </a:solidFill>
+          <a:ln w="9525">
+            <a:solidFill>
+              <a:srgbClr val="000000"/>
+            </a:solidFill>
+            <a:round/>
+            <a:headEnd/>
+            <a:tailEnd/>
+          </a:ln>
+        </p:spPr>
+        <p:txBody>
+          <a:bodyPr vert="horz" wrap="square" lIns="91440" tIns="45720" rIns="91440" bIns="45720" numCol="1" anchor="t" anchorCtr="0" compatLnSpc="1">
+            <a:prstTxWarp prst="textNoShape">
+              <a:avLst/>
+            </a:prstTxWarp>
+          </a:bodyPr>
+          <a:lstStyle/>
+          <a:p>
+            <a:endParaRPr lang="en-IN"/>
+          </a:p>
+        </p:txBody>
+      </p:sp>
+      <p:sp>
+        <p:nvSpPr>
+          <p:cNvPr id="2057" name="Oval 9"/>
+          <p:cNvSpPr>
+            <a:spLocks noChangeArrowheads="1"/>
+          </p:cNvSpPr>
+          <p:nvPr/>
+        </p:nvSpPr>
+        <p:spPr bwMode="auto">
+          <a:xfrm>
+            <a:off x="6434292" y="3568175"/>
+            <a:ext cx="981175" cy="966664"/>
+          </a:xfrm>
+          <a:prstGeom prst="ellipse">
+            <a:avLst/>
+          </a:prstGeom>
+          <a:solidFill>
+            <a:srgbClr val="FFFFFF"/>
+          </a:solidFill>
+          <a:ln w="9525">
+            <a:solidFill>
+              <a:srgbClr val="000000"/>
+            </a:solidFill>
+            <a:round/>
+            <a:headEnd/>
+            <a:tailEnd/>
+          </a:ln>
+        </p:spPr>
+        <p:txBody>
+          <a:bodyPr vert="horz" wrap="square" lIns="91440" tIns="45720" rIns="91440" bIns="45720" numCol="1" anchor="t" anchorCtr="0" compatLnSpc="1">
+            <a:prstTxWarp prst="textNoShape">
+              <a:avLst/>
+            </a:prstTxWarp>
+          </a:bodyPr>
+          <a:lstStyle/>
+          <a:p>
+            <a:pPr marL="0" marR="0" lvl="0" indent="0" algn="ctr" defTabSz="914400" rtl="0" eaLnBrk="1" fontAlgn="base" latinLnBrk="0" hangingPunct="1">
+              <a:lnSpc>
+                <a:spcPct val="100000"/>
+              </a:lnSpc>
+              <a:spcBef>
+                <a:spcPct val="0"/>
+              </a:spcBef>
+              <a:spcAft>
+                <a:spcPct val="0"/>
+              </a:spcAft>
+              <a:buClrTx/>
+              <a:buSzTx/>
+              <a:buFontTx/>
+              <a:buNone/>
+              <a:tabLst/>
+            </a:pPr>
+            <a:endParaRPr kumimoji="0" lang="en-US" sz="700" b="0" i="0" u="none" strike="noStrike" cap="none" normalizeH="0" baseline="0" dirty="0" smtClean="0">
+              <a:ln>
+                <a:noFill/>
+              </a:ln>
               <a:solidFill>
-                <a:srgbClr val="000000"/>
+                <a:schemeClr val="tx1"/>
               </a:solidFill>
-              <a:round/>
-              <a:headEnd/>
-              <a:tailEnd/>
-            </a:ln>
-          </p:spPr>
-          <p:txBody>
-            <a:bodyPr vert="horz" wrap="square" lIns="91440" tIns="45720" rIns="91440" bIns="45720" numCol="1" anchor="t" anchorCtr="0" compatLnSpc="1">
-              <a:prstTxWarp prst="textNoShape">
-                <a:avLst/>
-              </a:prstTxWarp>
-            </a:bodyPr>
-            <a:lstStyle/>
-            <a:p>
-              <a:endParaRPr lang="en-IN"/>
-            </a:p>
-          </p:txBody>
-        </p:sp>
-        <p:sp>
-          <p:nvSpPr>
-            <p:cNvPr id="2053" name="Oval 5"/>
-            <p:cNvSpPr>
-              <a:spLocks noChangeArrowheads="1"/>
-            </p:cNvSpPr>
-            <p:nvPr/>
-          </p:nvSpPr>
-          <p:spPr bwMode="auto">
-            <a:xfrm>
-              <a:off x="5358605" y="2403135"/>
-              <a:ext cx="389273" cy="394826"/>
-            </a:xfrm>
-            <a:prstGeom prst="ellipse">
+              <a:effectLst/>
+              <a:latin typeface="Arial" pitchFamily="34" charset="0"/>
+              <a:cs typeface="Arial" pitchFamily="34" charset="0"/>
+            </a:endParaRPr>
+          </a:p>
+        </p:txBody>
+      </p:sp>
+      <p:sp>
+        <p:nvSpPr>
+          <p:cNvPr id="2058" name="Oval 10"/>
+          <p:cNvSpPr>
+            <a:spLocks noChangeArrowheads="1"/>
+          </p:cNvSpPr>
+          <p:nvPr/>
+        </p:nvSpPr>
+        <p:spPr bwMode="auto">
+          <a:xfrm>
+            <a:off x="2750305" y="3564148"/>
+            <a:ext cx="927900" cy="966664"/>
+          </a:xfrm>
+          <a:prstGeom prst="ellipse">
+            <a:avLst/>
+          </a:prstGeom>
+          <a:solidFill>
+            <a:srgbClr val="FFFFFF"/>
+          </a:solidFill>
+          <a:ln w="9525">
+            <a:solidFill>
+              <a:srgbClr val="000000"/>
+            </a:solidFill>
+            <a:round/>
+            <a:headEnd/>
+            <a:tailEnd/>
+          </a:ln>
+        </p:spPr>
+        <p:txBody>
+          <a:bodyPr vert="horz" wrap="square" lIns="91440" tIns="45720" rIns="91440" bIns="45720" numCol="1" anchor="t" anchorCtr="0" compatLnSpc="1">
+            <a:prstTxWarp prst="textNoShape">
               <a:avLst/>
-            </a:prstGeom>
+            </a:prstTxWarp>
+          </a:bodyPr>
+          <a:lstStyle/>
+          <a:p>
+            <a:endParaRPr lang="en-IN"/>
+          </a:p>
+        </p:txBody>
+      </p:sp>
+      <p:sp>
+        <p:nvSpPr>
+          <p:cNvPr id="2059" name="Oval 11"/>
+          <p:cNvSpPr>
+            <a:spLocks noChangeArrowheads="1"/>
+          </p:cNvSpPr>
+          <p:nvPr/>
+        </p:nvSpPr>
+        <p:spPr bwMode="auto">
+          <a:xfrm>
+            <a:off x="4649535" y="3564148"/>
+            <a:ext cx="927900" cy="966664"/>
+          </a:xfrm>
+          <a:prstGeom prst="ellipse">
+            <a:avLst/>
+          </a:prstGeom>
+          <a:solidFill>
+            <a:srgbClr val="FFFFFF"/>
+          </a:solidFill>
+          <a:ln w="9525">
             <a:solidFill>
-              <a:srgbClr val="FFFFFF"/>
+              <a:srgbClr val="000000"/>
             </a:solidFill>
-            <a:ln w="9525">
-              <a:solidFill>
-                <a:srgbClr val="000000"/>
-              </a:solidFill>
-              <a:round/>
-              <a:headEnd/>
-              <a:tailEnd/>
-            </a:ln>
-          </p:spPr>
-          <p:txBody>
-            <a:bodyPr vert="horz" wrap="square" lIns="91440" tIns="45720" rIns="91440" bIns="45720" numCol="1" anchor="t" anchorCtr="0" compatLnSpc="1">
-              <a:prstTxWarp prst="textNoShape">
-                <a:avLst/>
-              </a:prstTxWarp>
-            </a:bodyPr>
-            <a:lstStyle/>
-            <a:p>
-              <a:endParaRPr lang="en-IN"/>
-            </a:p>
-          </p:txBody>
-        </p:sp>
-        <p:sp>
-          <p:nvSpPr>
-            <p:cNvPr id="2054" name="Oval 6"/>
-            <p:cNvSpPr>
-              <a:spLocks noChangeArrowheads="1"/>
-            </p:cNvSpPr>
-            <p:nvPr/>
-          </p:nvSpPr>
-          <p:spPr bwMode="auto">
-            <a:xfrm>
-              <a:off x="3725316" y="2348298"/>
-              <a:ext cx="389273" cy="394826"/>
-            </a:xfrm>
-            <a:prstGeom prst="ellipse">
+            <a:round/>
+            <a:headEnd/>
+            <a:tailEnd/>
+          </a:ln>
+        </p:spPr>
+        <p:txBody>
+          <a:bodyPr vert="horz" wrap="square" lIns="91440" tIns="45720" rIns="91440" bIns="45720" numCol="1" anchor="t" anchorCtr="0" compatLnSpc="1">
+            <a:prstTxWarp prst="textNoShape">
               <a:avLst/>
-            </a:prstGeom>
+            </a:prstTxWarp>
+          </a:bodyPr>
+          <a:lstStyle/>
+          <a:p>
+            <a:endParaRPr lang="en-IN"/>
+          </a:p>
+        </p:txBody>
+      </p:sp>
+      <p:sp>
+        <p:nvSpPr>
+          <p:cNvPr id="2062" name="Oval 14"/>
+          <p:cNvSpPr>
+            <a:spLocks noChangeArrowheads="1"/>
+          </p:cNvSpPr>
+          <p:nvPr/>
+        </p:nvSpPr>
+        <p:spPr bwMode="auto">
+          <a:xfrm>
+            <a:off x="939402" y="3668868"/>
+            <a:ext cx="729242" cy="757220"/>
+          </a:xfrm>
+          <a:prstGeom prst="ellipse">
+            <a:avLst/>
+          </a:prstGeom>
+          <a:solidFill>
+            <a:srgbClr val="FFFFFF"/>
+          </a:solidFill>
+          <a:ln w="9525">
             <a:solidFill>
-              <a:srgbClr val="FFFFFF"/>
+              <a:srgbClr val="000000"/>
             </a:solidFill>
-            <a:ln w="9525">
-              <a:solidFill>
-                <a:srgbClr val="000000"/>
-              </a:solidFill>
-              <a:round/>
-              <a:headEnd/>
-              <a:tailEnd/>
-            </a:ln>
-          </p:spPr>
-          <p:txBody>
-            <a:bodyPr vert="horz" wrap="square" lIns="91440" tIns="45720" rIns="91440" bIns="45720" numCol="1" anchor="t" anchorCtr="0" compatLnSpc="1">
-              <a:prstTxWarp prst="textNoShape">
-                <a:avLst/>
-              </a:prstTxWarp>
-            </a:bodyPr>
-            <a:lstStyle/>
-            <a:p>
-              <a:endParaRPr lang="en-IN"/>
-            </a:p>
-          </p:txBody>
-        </p:sp>
-        <p:sp>
-          <p:nvSpPr>
-            <p:cNvPr id="2056" name="Oval 8"/>
-            <p:cNvSpPr>
-              <a:spLocks noChangeArrowheads="1"/>
-            </p:cNvSpPr>
-            <p:nvPr/>
-          </p:nvSpPr>
-          <p:spPr bwMode="auto">
-            <a:xfrm>
-              <a:off x="2818801" y="2636192"/>
-              <a:ext cx="389273" cy="394826"/>
-            </a:xfrm>
-            <a:prstGeom prst="ellipse">
+            <a:round/>
+            <a:headEnd/>
+            <a:tailEnd/>
+          </a:ln>
+        </p:spPr>
+        <p:txBody>
+          <a:bodyPr vert="horz" wrap="square" lIns="91440" tIns="45720" rIns="91440" bIns="45720" numCol="1" anchor="t" anchorCtr="0" compatLnSpc="1">
+            <a:prstTxWarp prst="textNoShape">
               <a:avLst/>
-            </a:prstGeom>
-            <a:solidFill>
-              <a:srgbClr val="FFFFFF"/>
-            </a:solidFill>
-            <a:ln w="9525">
-              <a:solidFill>
-                <a:srgbClr val="000000"/>
-              </a:solidFill>
-              <a:round/>
-              <a:headEnd/>
-              <a:tailEnd/>
-            </a:ln>
-          </p:spPr>
-          <p:txBody>
-            <a:bodyPr vert="horz" wrap="square" lIns="91440" tIns="45720" rIns="91440" bIns="45720" numCol="1" anchor="t" anchorCtr="0" compatLnSpc="1">
-              <a:prstTxWarp prst="textNoShape">
-                <a:avLst/>
-              </a:prstTxWarp>
-            </a:bodyPr>
-            <a:lstStyle/>
-            <a:p>
-              <a:endParaRPr lang="en-IN"/>
-            </a:p>
-          </p:txBody>
-        </p:sp>
-        <p:sp>
-          <p:nvSpPr>
-            <p:cNvPr id="2057" name="Oval 9"/>
-            <p:cNvSpPr>
-              <a:spLocks noChangeArrowheads="1"/>
-            </p:cNvSpPr>
-            <p:nvPr/>
-          </p:nvSpPr>
-          <p:spPr bwMode="auto">
-            <a:xfrm>
-              <a:off x="5166466" y="2637837"/>
-              <a:ext cx="411623" cy="394826"/>
-            </a:xfrm>
-            <a:prstGeom prst="ellipse">
-              <a:avLst/>
-            </a:prstGeom>
-            <a:solidFill>
-              <a:srgbClr val="FFFFFF"/>
-            </a:solidFill>
-            <a:ln w="9525">
-              <a:solidFill>
-                <a:srgbClr val="000000"/>
-              </a:solidFill>
-              <a:round/>
-              <a:headEnd/>
-              <a:tailEnd/>
-            </a:ln>
-          </p:spPr>
-          <p:txBody>
-            <a:bodyPr vert="horz" wrap="square" lIns="91440" tIns="45720" rIns="91440" bIns="45720" numCol="1" anchor="t" anchorCtr="0" compatLnSpc="1">
-              <a:prstTxWarp prst="textNoShape">
-                <a:avLst/>
-              </a:prstTxWarp>
-            </a:bodyPr>
-            <a:lstStyle/>
-            <a:p>
-              <a:pPr marL="0" marR="0" lvl="0" indent="0" algn="ctr" defTabSz="914400" rtl="0" eaLnBrk="1" fontAlgn="base" latinLnBrk="0" hangingPunct="1">
-                <a:lnSpc>
-                  <a:spcPct val="100000"/>
-                </a:lnSpc>
-                <a:spcBef>
-                  <a:spcPct val="0"/>
-                </a:spcBef>
-                <a:spcAft>
-                  <a:spcPct val="0"/>
-                </a:spcAft>
-                <a:buClrTx/>
-                <a:buSzTx/>
-                <a:buFontTx/>
-                <a:buNone/>
-                <a:tabLst/>
-              </a:pPr>
-              <a:endParaRPr kumimoji="0" lang="en-US" sz="700" b="0" i="0" u="none" strike="noStrike" cap="none" normalizeH="0" baseline="0" dirty="0" smtClean="0">
-                <a:ln>
-                  <a:noFill/>
-                </a:ln>
-                <a:solidFill>
-                  <a:schemeClr val="tx1"/>
-                </a:solidFill>
-                <a:effectLst/>
-                <a:latin typeface="Arial" pitchFamily="34" charset="0"/>
-                <a:cs typeface="Arial" pitchFamily="34" charset="0"/>
-              </a:endParaRPr>
-            </a:p>
-          </p:txBody>
-        </p:sp>
-        <p:sp>
-          <p:nvSpPr>
-            <p:cNvPr id="2058" name="Oval 10"/>
-            <p:cNvSpPr>
-              <a:spLocks noChangeArrowheads="1"/>
-            </p:cNvSpPr>
-            <p:nvPr/>
-          </p:nvSpPr>
-          <p:spPr bwMode="auto">
-            <a:xfrm>
-              <a:off x="3620958" y="2636192"/>
-              <a:ext cx="389273" cy="394826"/>
-            </a:xfrm>
-            <a:prstGeom prst="ellipse">
-              <a:avLst/>
-            </a:prstGeom>
-            <a:solidFill>
-              <a:srgbClr val="FFFFFF"/>
-            </a:solidFill>
-            <a:ln w="9525">
-              <a:solidFill>
-                <a:srgbClr val="000000"/>
-              </a:solidFill>
-              <a:round/>
-              <a:headEnd/>
-              <a:tailEnd/>
-            </a:ln>
-          </p:spPr>
-          <p:txBody>
-            <a:bodyPr vert="horz" wrap="square" lIns="91440" tIns="45720" rIns="91440" bIns="45720" numCol="1" anchor="t" anchorCtr="0" compatLnSpc="1">
-              <a:prstTxWarp prst="textNoShape">
-                <a:avLst/>
-              </a:prstTxWarp>
-            </a:bodyPr>
-            <a:lstStyle/>
-            <a:p>
-              <a:endParaRPr lang="en-IN"/>
-            </a:p>
-          </p:txBody>
-        </p:sp>
-        <p:sp>
-          <p:nvSpPr>
-            <p:cNvPr id="2059" name="Oval 11"/>
-            <p:cNvSpPr>
-              <a:spLocks noChangeArrowheads="1"/>
-            </p:cNvSpPr>
-            <p:nvPr/>
-          </p:nvSpPr>
-          <p:spPr bwMode="auto">
-            <a:xfrm>
-              <a:off x="4417724" y="2636192"/>
-              <a:ext cx="389273" cy="394826"/>
-            </a:xfrm>
-            <a:prstGeom prst="ellipse">
-              <a:avLst/>
-            </a:prstGeom>
-            <a:solidFill>
-              <a:srgbClr val="FFFFFF"/>
-            </a:solidFill>
-            <a:ln w="9525">
-              <a:solidFill>
-                <a:srgbClr val="000000"/>
-              </a:solidFill>
-              <a:round/>
-              <a:headEnd/>
-              <a:tailEnd/>
-            </a:ln>
-          </p:spPr>
-          <p:txBody>
-            <a:bodyPr vert="horz" wrap="square" lIns="91440" tIns="45720" rIns="91440" bIns="45720" numCol="1" anchor="t" anchorCtr="0" compatLnSpc="1">
-              <a:prstTxWarp prst="textNoShape">
-                <a:avLst/>
-              </a:prstTxWarp>
-            </a:bodyPr>
-            <a:lstStyle/>
-            <a:p>
-              <a:endParaRPr lang="en-IN"/>
-            </a:p>
-          </p:txBody>
-        </p:sp>
-        <p:sp>
-          <p:nvSpPr>
-            <p:cNvPr id="2062" name="Oval 14"/>
-            <p:cNvSpPr>
-              <a:spLocks noChangeArrowheads="1"/>
-            </p:cNvSpPr>
-            <p:nvPr/>
-          </p:nvSpPr>
-          <p:spPr bwMode="auto">
-            <a:xfrm>
-              <a:off x="2861247" y="2678964"/>
-              <a:ext cx="305932" cy="309280"/>
-            </a:xfrm>
-            <a:prstGeom prst="ellipse">
-              <a:avLst/>
-            </a:prstGeom>
-            <a:solidFill>
-              <a:srgbClr val="FFFFFF"/>
-            </a:solidFill>
-            <a:ln w="9525">
-              <a:solidFill>
-                <a:srgbClr val="000000"/>
-              </a:solidFill>
-              <a:round/>
-              <a:headEnd/>
-              <a:tailEnd/>
-            </a:ln>
-          </p:spPr>
-          <p:txBody>
-            <a:bodyPr vert="horz" wrap="square" lIns="91440" tIns="45720" rIns="91440" bIns="45720" numCol="1" anchor="t" anchorCtr="0" compatLnSpc="1">
-              <a:prstTxWarp prst="textNoShape">
-                <a:avLst/>
-              </a:prstTxWarp>
-            </a:bodyPr>
-            <a:lstStyle/>
-            <a:p>
-              <a:pPr marL="0" marR="0" lvl="0" indent="0" algn="ctr" defTabSz="914400" rtl="0" eaLnBrk="1" fontAlgn="base" latinLnBrk="0" hangingPunct="1">
-                <a:lnSpc>
-                  <a:spcPct val="100000"/>
-                </a:lnSpc>
-                <a:spcBef>
-                  <a:spcPct val="0"/>
-                </a:spcBef>
-                <a:spcAft>
-                  <a:spcPts val="1000"/>
-                </a:spcAft>
-                <a:buClrTx/>
-                <a:buSzTx/>
-                <a:buFontTx/>
-                <a:buNone/>
-                <a:tabLst/>
-              </a:pPr>
-              <a:r>
-                <a:rPr kumimoji="0" lang="en-IN" sz="2400" b="1" i="0" u="none" strike="noStrike" cap="none" normalizeH="0" baseline="0" dirty="0" smtClean="0">
-                  <a:ln>
-                    <a:noFill/>
-                  </a:ln>
-                  <a:solidFill>
-                    <a:schemeClr val="tx1"/>
-                  </a:solidFill>
-                  <a:effectLst/>
-                  <a:latin typeface="Arial"/>
-                  <a:cs typeface="Arial"/>
-                </a:rPr>
-                <a:t>0</a:t>
-              </a:r>
-              <a:endParaRPr kumimoji="0" lang="en-US" sz="2400" b="1" i="0" u="none" strike="noStrike" cap="none" normalizeH="0" baseline="0" dirty="0" smtClean="0">
+            </a:prstTxWarp>
+          </a:bodyPr>
+          <a:lstStyle/>
+          <a:p>
+            <a:pPr marL="0" marR="0" lvl="0" indent="0" algn="ctr" defTabSz="914400" rtl="0" eaLnBrk="1" fontAlgn="base" latinLnBrk="0" hangingPunct="1">
+              <a:lnSpc>
+                <a:spcPct val="100000"/>
+              </a:lnSpc>
+              <a:spcBef>
+                <a:spcPct val="0"/>
+              </a:spcBef>
+              <a:spcAft>
+                <a:spcPts val="1000"/>
+              </a:spcAft>
+              <a:buClrTx/>
+              <a:buSzTx/>
+              <a:buFontTx/>
+              <a:buNone/>
+              <a:tabLst/>
+            </a:pPr>
+            <a:r>
+              <a:rPr kumimoji="0" lang="en-IN" sz="2400" b="1" i="0" u="none" strike="noStrike" cap="none" normalizeH="0" baseline="0" dirty="0" smtClean="0">
                 <a:ln>
                   <a:noFill/>
                 </a:ln>
@@ -3553,77 +3542,77 @@
                 <a:effectLst/>
                 <a:latin typeface="Arial"/>
                 <a:cs typeface="Arial"/>
-              </a:endParaRPr>
-            </a:p>
-          </p:txBody>
-        </p:sp>
-        <p:sp>
-          <p:nvSpPr>
-            <p:cNvPr id="2063" name="Oval 15"/>
-            <p:cNvSpPr>
-              <a:spLocks noChangeArrowheads="1"/>
-            </p:cNvSpPr>
-            <p:nvPr/>
-          </p:nvSpPr>
-          <p:spPr bwMode="auto">
-            <a:xfrm>
-              <a:off x="4459136" y="2678964"/>
-              <a:ext cx="305932" cy="309280"/>
-            </a:xfrm>
-            <a:prstGeom prst="ellipse">
+              </a:rPr>
+              <a:t>0</a:t>
+            </a:r>
+            <a:endParaRPr kumimoji="0" lang="en-US" sz="2400" b="1" i="0" u="none" strike="noStrike" cap="none" normalizeH="0" baseline="0" dirty="0" smtClean="0">
+              <a:ln>
+                <a:noFill/>
+              </a:ln>
+              <a:solidFill>
+                <a:schemeClr val="tx1"/>
+              </a:solidFill>
+              <a:effectLst/>
+              <a:latin typeface="Arial"/>
+              <a:cs typeface="Arial"/>
+            </a:endParaRPr>
+          </a:p>
+        </p:txBody>
+      </p:sp>
+      <p:sp>
+        <p:nvSpPr>
+          <p:cNvPr id="2063" name="Oval 15"/>
+          <p:cNvSpPr>
+            <a:spLocks noChangeArrowheads="1"/>
+          </p:cNvSpPr>
+          <p:nvPr/>
+        </p:nvSpPr>
+        <p:spPr bwMode="auto">
+          <a:xfrm>
+            <a:off x="4748248" y="3668868"/>
+            <a:ext cx="729242" cy="757220"/>
+          </a:xfrm>
+          <a:prstGeom prst="ellipse">
+            <a:avLst/>
+          </a:prstGeom>
+          <a:solidFill>
+            <a:srgbClr val="FFFFFF"/>
+          </a:solidFill>
+          <a:ln w="9525">
+            <a:solidFill>
+              <a:srgbClr val="000000"/>
+            </a:solidFill>
+            <a:round/>
+            <a:headEnd/>
+            <a:tailEnd/>
+          </a:ln>
+        </p:spPr>
+        <p:txBody>
+          <a:bodyPr vert="horz" wrap="square" lIns="91440" tIns="45720" rIns="91440" bIns="45720" numCol="1" anchor="t" anchorCtr="0" compatLnSpc="1">
+            <a:prstTxWarp prst="textNoShape">
               <a:avLst/>
-            </a:prstGeom>
-            <a:solidFill>
-              <a:srgbClr val="FFFFFF"/>
-            </a:solidFill>
-            <a:ln w="9525">
-              <a:solidFill>
-                <a:srgbClr val="000000"/>
-              </a:solidFill>
-              <a:round/>
-              <a:headEnd/>
-              <a:tailEnd/>
-            </a:ln>
-          </p:spPr>
-          <p:txBody>
-            <a:bodyPr vert="horz" wrap="square" lIns="91440" tIns="45720" rIns="91440" bIns="45720" numCol="1" anchor="t" anchorCtr="0" compatLnSpc="1">
-              <a:prstTxWarp prst="textNoShape">
-                <a:avLst/>
-              </a:prstTxWarp>
-            </a:bodyPr>
-            <a:lstStyle/>
-            <a:p>
-              <a:pPr marL="0" marR="0" lvl="0" indent="0" algn="ctr" defTabSz="914400" rtl="0" eaLnBrk="1" fontAlgn="base" latinLnBrk="0" hangingPunct="1">
-                <a:lnSpc>
-                  <a:spcPct val="100000"/>
-                </a:lnSpc>
-                <a:spcBef>
-                  <a:spcPct val="0"/>
-                </a:spcBef>
-                <a:spcAft>
-                  <a:spcPts val="1000"/>
-                </a:spcAft>
-                <a:buClrTx/>
-                <a:buSzTx/>
-                <a:buFontTx/>
-                <a:buNone/>
-                <a:tabLst/>
-              </a:pPr>
-              <a:r>
-                <a:rPr kumimoji="0" lang="en-IN" sz="2400" b="1" i="0" u="none" strike="noStrike" cap="none" normalizeH="0" baseline="0" dirty="0" smtClean="0">
-                  <a:ln>
-                    <a:noFill/>
-                  </a:ln>
-                  <a:solidFill>
-                    <a:schemeClr val="tx1"/>
-                  </a:solidFill>
-                  <a:effectLst/>
-                  <a:latin typeface="Arial"/>
-                  <a:cs typeface="Arial"/>
-                </a:rPr>
-                <a:t>2</a:t>
-              </a:r>
-              <a:endParaRPr kumimoji="0" lang="en-US" sz="2400" b="1" i="0" u="none" strike="noStrike" cap="none" normalizeH="0" baseline="0" dirty="0" smtClean="0">
+            </a:prstTxWarp>
+          </a:bodyPr>
+          <a:lstStyle/>
+          <a:p>
+            <a:pPr marL="0" marR="0" lvl="0" indent="0" algn="ctr" defTabSz="914400" rtl="0" eaLnBrk="1" fontAlgn="base" latinLnBrk="0" hangingPunct="1">
+              <a:lnSpc>
+                <a:spcPct val="100000"/>
+              </a:lnSpc>
+              <a:spcBef>
+                <a:spcPct val="0"/>
+              </a:spcBef>
+              <a:spcAft>
+                <a:spcPts val="1000"/>
+              </a:spcAft>
+              <a:buClrTx/>
+              <a:buSzTx/>
+              <a:buFontTx/>
+              <a:buNone/>
+              <a:tabLst/>
+            </a:pPr>
+            <a:r>
+              <a:rPr kumimoji="0" lang="en-IN" sz="2400" b="1" i="0" u="none" strike="noStrike" cap="none" normalizeH="0" baseline="0" dirty="0" smtClean="0">
                 <a:ln>
                   <a:noFill/>
                 </a:ln>
@@ -3633,77 +3622,77 @@
                 <a:effectLst/>
                 <a:latin typeface="Arial"/>
                 <a:cs typeface="Arial"/>
-              </a:endParaRPr>
-            </a:p>
-          </p:txBody>
-        </p:sp>
-        <p:sp>
-          <p:nvSpPr>
-            <p:cNvPr id="2064" name="Oval 16"/>
-            <p:cNvSpPr>
-              <a:spLocks noChangeArrowheads="1"/>
-            </p:cNvSpPr>
-            <p:nvPr/>
-          </p:nvSpPr>
-          <p:spPr bwMode="auto">
-            <a:xfrm>
-              <a:off x="3652845" y="2678964"/>
-              <a:ext cx="305932" cy="309280"/>
-            </a:xfrm>
-            <a:prstGeom prst="ellipse">
+              </a:rPr>
+              <a:t>2</a:t>
+            </a:r>
+            <a:endParaRPr kumimoji="0" lang="en-US" sz="2400" b="1" i="0" u="none" strike="noStrike" cap="none" normalizeH="0" baseline="0" dirty="0" smtClean="0">
+              <a:ln>
+                <a:noFill/>
+              </a:ln>
+              <a:solidFill>
+                <a:schemeClr val="tx1"/>
+              </a:solidFill>
+              <a:effectLst/>
+              <a:latin typeface="Arial"/>
+              <a:cs typeface="Arial"/>
+            </a:endParaRPr>
+          </a:p>
+        </p:txBody>
+      </p:sp>
+      <p:sp>
+        <p:nvSpPr>
+          <p:cNvPr id="2064" name="Oval 16"/>
+          <p:cNvSpPr>
+            <a:spLocks noChangeArrowheads="1"/>
+          </p:cNvSpPr>
+          <p:nvPr/>
+        </p:nvSpPr>
+        <p:spPr bwMode="auto">
+          <a:xfrm>
+            <a:off x="2853816" y="3679613"/>
+            <a:ext cx="729242" cy="757220"/>
+          </a:xfrm>
+          <a:prstGeom prst="ellipse">
+            <a:avLst/>
+          </a:prstGeom>
+          <a:solidFill>
+            <a:srgbClr val="FFFFFF"/>
+          </a:solidFill>
+          <a:ln w="9525">
+            <a:solidFill>
+              <a:srgbClr val="000000"/>
+            </a:solidFill>
+            <a:round/>
+            <a:headEnd/>
+            <a:tailEnd/>
+          </a:ln>
+        </p:spPr>
+        <p:txBody>
+          <a:bodyPr vert="horz" wrap="square" lIns="91440" tIns="45720" rIns="91440" bIns="45720" numCol="1" anchor="t" anchorCtr="0" compatLnSpc="1">
+            <a:prstTxWarp prst="textNoShape">
               <a:avLst/>
-            </a:prstGeom>
-            <a:solidFill>
-              <a:srgbClr val="FFFFFF"/>
-            </a:solidFill>
-            <a:ln w="9525">
-              <a:solidFill>
-                <a:srgbClr val="000000"/>
-              </a:solidFill>
-              <a:round/>
-              <a:headEnd/>
-              <a:tailEnd/>
-            </a:ln>
-          </p:spPr>
-          <p:txBody>
-            <a:bodyPr vert="horz" wrap="square" lIns="91440" tIns="45720" rIns="91440" bIns="45720" numCol="1" anchor="t" anchorCtr="0" compatLnSpc="1">
-              <a:prstTxWarp prst="textNoShape">
-                <a:avLst/>
-              </a:prstTxWarp>
-            </a:bodyPr>
-            <a:lstStyle/>
-            <a:p>
-              <a:pPr marL="0" marR="0" lvl="0" indent="0" algn="ctr" defTabSz="914400" rtl="0" eaLnBrk="1" fontAlgn="base" latinLnBrk="0" hangingPunct="1">
-                <a:lnSpc>
-                  <a:spcPct val="100000"/>
-                </a:lnSpc>
-                <a:spcBef>
-                  <a:spcPct val="0"/>
-                </a:spcBef>
-                <a:spcAft>
-                  <a:spcPts val="1000"/>
-                </a:spcAft>
-                <a:buClrTx/>
-                <a:buSzTx/>
-                <a:buFontTx/>
-                <a:buNone/>
-                <a:tabLst/>
-              </a:pPr>
-              <a:r>
-                <a:rPr kumimoji="0" lang="en-IN" sz="2400" b="1" i="0" u="none" strike="noStrike" cap="none" normalizeH="0" baseline="0" smtClean="0">
-                  <a:ln>
-                    <a:noFill/>
-                  </a:ln>
-                  <a:solidFill>
-                    <a:schemeClr val="tx1"/>
-                  </a:solidFill>
-                  <a:effectLst/>
-                  <a:latin typeface="Arial"/>
-                  <a:cs typeface="Arial"/>
-                </a:rPr>
-                <a:t>1</a:t>
-              </a:r>
-              <a:endParaRPr kumimoji="0" lang="en-US" sz="2400" b="1" i="0" u="none" strike="noStrike" cap="none" normalizeH="0" baseline="0" smtClean="0">
+            </a:prstTxWarp>
+          </a:bodyPr>
+          <a:lstStyle/>
+          <a:p>
+            <a:pPr marL="0" marR="0" lvl="0" indent="0" algn="ctr" defTabSz="914400" rtl="0" eaLnBrk="1" fontAlgn="base" latinLnBrk="0" hangingPunct="1">
+              <a:lnSpc>
+                <a:spcPct val="100000"/>
+              </a:lnSpc>
+              <a:spcBef>
+                <a:spcPct val="0"/>
+              </a:spcBef>
+              <a:spcAft>
+                <a:spcPts val="1000"/>
+              </a:spcAft>
+              <a:buClrTx/>
+              <a:buSzTx/>
+              <a:buFontTx/>
+              <a:buNone/>
+              <a:tabLst/>
+            </a:pPr>
+            <a:r>
+              <a:rPr kumimoji="0" lang="en-IN" sz="2400" b="1" i="0" u="none" strike="noStrike" cap="none" normalizeH="0" baseline="0" smtClean="0">
                 <a:ln>
                   <a:noFill/>
                 </a:ln>
@@ -3713,208 +3702,208 @@
                 <a:effectLst/>
                 <a:latin typeface="Arial"/>
                 <a:cs typeface="Arial"/>
-              </a:endParaRPr>
-            </a:p>
-          </p:txBody>
-        </p:sp>
-        <p:cxnSp>
-          <p:nvCxnSpPr>
-            <p:cNvPr id="2065" name="AutoShape 17"/>
-            <p:cNvCxnSpPr>
-              <a:cxnSpLocks noChangeShapeType="1"/>
-            </p:cNvCxnSpPr>
-            <p:nvPr/>
-          </p:nvCxnSpPr>
-          <p:spPr bwMode="auto">
-            <a:xfrm>
-              <a:off x="4990247" y="2636192"/>
-              <a:ext cx="0" cy="0"/>
-            </a:xfrm>
-            <a:prstGeom prst="straightConnector1">
+              </a:rPr>
+              <a:t>1</a:t>
+            </a:r>
+            <a:endParaRPr kumimoji="0" lang="en-US" sz="2400" b="1" i="0" u="none" strike="noStrike" cap="none" normalizeH="0" baseline="0" smtClean="0">
+              <a:ln>
+                <a:noFill/>
+              </a:ln>
+              <a:solidFill>
+                <a:schemeClr val="tx1"/>
+              </a:solidFill>
+              <a:effectLst/>
+              <a:latin typeface="Arial"/>
+              <a:cs typeface="Arial"/>
+            </a:endParaRPr>
+          </a:p>
+        </p:txBody>
+      </p:sp>
+      <p:cxnSp>
+        <p:nvCxnSpPr>
+          <p:cNvPr id="2065" name="AutoShape 17"/>
+          <p:cNvCxnSpPr>
+            <a:cxnSpLocks noChangeShapeType="1"/>
+          </p:cNvCxnSpPr>
+          <p:nvPr/>
+        </p:nvCxnSpPr>
+        <p:spPr bwMode="auto">
+          <a:xfrm>
+            <a:off x="6014243" y="3564148"/>
+            <a:ext cx="0" cy="0"/>
+          </a:xfrm>
+          <a:prstGeom prst="straightConnector1">
+            <a:avLst/>
+          </a:prstGeom>
+          <a:noFill/>
+          <a:ln w="9525">
+            <a:solidFill>
+              <a:srgbClr val="000000"/>
+            </a:solidFill>
+            <a:round/>
+            <a:headEnd/>
+            <a:tailEnd/>
+          </a:ln>
+        </p:spPr>
+      </p:cxnSp>
+      <p:cxnSp>
+        <p:nvCxnSpPr>
+          <p:cNvPr id="2066" name="AutoShape 18"/>
+          <p:cNvCxnSpPr>
+            <a:cxnSpLocks noChangeShapeType="1"/>
+          </p:cNvCxnSpPr>
+          <p:nvPr/>
+        </p:nvCxnSpPr>
+        <p:spPr bwMode="auto">
+          <a:xfrm flipH="1" flipV="1">
+            <a:off x="4859301" y="3473346"/>
+            <a:ext cx="173982" cy="104722"/>
+          </a:xfrm>
+          <a:prstGeom prst="straightConnector1">
+            <a:avLst/>
+          </a:prstGeom>
+          <a:noFill/>
+          <a:ln w="9525">
+            <a:solidFill>
+              <a:srgbClr val="000000"/>
+            </a:solidFill>
+            <a:round/>
+            <a:headEnd/>
+            <a:tailEnd/>
+          </a:ln>
+        </p:spPr>
+      </p:cxnSp>
+      <p:cxnSp>
+        <p:nvCxnSpPr>
+          <p:cNvPr id="2067" name="AutoShape 19"/>
+          <p:cNvCxnSpPr>
+            <a:cxnSpLocks noChangeShapeType="1"/>
+          </p:cNvCxnSpPr>
+          <p:nvPr/>
+        </p:nvCxnSpPr>
+        <p:spPr bwMode="auto">
+          <a:xfrm flipV="1">
+            <a:off x="5025126" y="3424353"/>
+            <a:ext cx="98092" cy="157085"/>
+          </a:xfrm>
+          <a:prstGeom prst="straightConnector1">
+            <a:avLst/>
+          </a:prstGeom>
+          <a:noFill/>
+          <a:ln w="9525">
+            <a:solidFill>
+              <a:srgbClr val="000000"/>
+            </a:solidFill>
+            <a:round/>
+            <a:headEnd/>
+            <a:tailEnd/>
+          </a:ln>
+        </p:spPr>
+      </p:cxnSp>
+      <p:cxnSp>
+        <p:nvCxnSpPr>
+          <p:cNvPr id="2068" name="AutoShape 20"/>
+          <p:cNvCxnSpPr>
+            <a:cxnSpLocks noChangeShapeType="1"/>
+          </p:cNvCxnSpPr>
+          <p:nvPr/>
+        </p:nvCxnSpPr>
+        <p:spPr bwMode="auto">
+          <a:xfrm flipV="1">
+            <a:off x="3057292" y="3435336"/>
+            <a:ext cx="64117" cy="159226"/>
+          </a:xfrm>
+          <a:prstGeom prst="straightConnector1">
+            <a:avLst/>
+          </a:prstGeom>
+          <a:noFill/>
+          <a:ln w="9525">
+            <a:solidFill>
+              <a:srgbClr val="000000"/>
+            </a:solidFill>
+            <a:round/>
+            <a:headEnd/>
+            <a:tailEnd/>
+          </a:ln>
+        </p:spPr>
+      </p:cxnSp>
+      <p:cxnSp>
+        <p:nvCxnSpPr>
+          <p:cNvPr id="2069" name="AutoShape 21"/>
+          <p:cNvCxnSpPr>
+            <a:cxnSpLocks noChangeShapeType="1"/>
+          </p:cNvCxnSpPr>
+          <p:nvPr/>
+        </p:nvCxnSpPr>
+        <p:spPr bwMode="auto">
+          <a:xfrm flipH="1" flipV="1">
+            <a:off x="2898529" y="3511265"/>
+            <a:ext cx="151971" cy="79612"/>
+          </a:xfrm>
+          <a:prstGeom prst="straightConnector1">
+            <a:avLst/>
+          </a:prstGeom>
+          <a:noFill/>
+          <a:ln w="9525">
+            <a:solidFill>
+              <a:srgbClr val="000000"/>
+            </a:solidFill>
+            <a:round/>
+            <a:headEnd/>
+            <a:tailEnd/>
+          </a:ln>
+        </p:spPr>
+      </p:cxnSp>
+      <p:sp>
+        <p:nvSpPr>
+          <p:cNvPr id="2070" name="Text Box 22"/>
+          <p:cNvSpPr txBox="1">
+            <a:spLocks noChangeArrowheads="1"/>
+          </p:cNvSpPr>
+          <p:nvPr/>
+        </p:nvSpPr>
+        <p:spPr bwMode="auto">
+          <a:xfrm>
+            <a:off x="1784267" y="4047382"/>
+            <a:ext cx="1160365" cy="324276"/>
+          </a:xfrm>
+          <a:prstGeom prst="rect">
+            <a:avLst/>
+          </a:prstGeom>
+          <a:noFill/>
+          <a:ln w="9525">
+            <a:noFill/>
+            <a:miter lim="800000"/>
+            <a:headEnd/>
+            <a:tailEnd/>
+          </a:ln>
+        </p:spPr>
+        <p:txBody>
+          <a:bodyPr vert="horz" wrap="square" lIns="91440" tIns="45720" rIns="91440" bIns="45720" numCol="1" anchor="t" anchorCtr="0" compatLnSpc="1">
+            <a:prstTxWarp prst="textNoShape">
               <a:avLst/>
-            </a:prstGeom>
-            <a:noFill/>
-            <a:ln w="9525">
-              <a:solidFill>
-                <a:srgbClr val="000000"/>
-              </a:solidFill>
-              <a:round/>
-              <a:headEnd/>
-              <a:tailEnd/>
-            </a:ln>
-          </p:spPr>
-        </p:cxnSp>
-        <p:cxnSp>
-          <p:nvCxnSpPr>
-            <p:cNvPr id="2066" name="AutoShape 18"/>
-            <p:cNvCxnSpPr>
-              <a:cxnSpLocks noChangeShapeType="1"/>
-            </p:cNvCxnSpPr>
-            <p:nvPr/>
-          </p:nvCxnSpPr>
-          <p:spPr bwMode="auto">
-            <a:xfrm flipH="1" flipV="1">
-              <a:off x="4505725" y="2601644"/>
-              <a:ext cx="72989" cy="42773"/>
-            </a:xfrm>
-            <a:prstGeom prst="straightConnector1">
-              <a:avLst/>
-            </a:prstGeom>
-            <a:noFill/>
-            <a:ln w="9525">
-              <a:solidFill>
-                <a:srgbClr val="000000"/>
-              </a:solidFill>
-              <a:round/>
-              <a:headEnd/>
-              <a:tailEnd/>
-            </a:ln>
-          </p:spPr>
-        </p:cxnSp>
-        <p:cxnSp>
-          <p:nvCxnSpPr>
-            <p:cNvPr id="2067" name="AutoShape 19"/>
-            <p:cNvCxnSpPr>
-              <a:cxnSpLocks noChangeShapeType="1"/>
-            </p:cNvCxnSpPr>
-            <p:nvPr/>
-          </p:nvCxnSpPr>
-          <p:spPr bwMode="auto">
-            <a:xfrm flipV="1">
-              <a:off x="4570950" y="2559420"/>
-              <a:ext cx="70918" cy="86094"/>
-            </a:xfrm>
-            <a:prstGeom prst="straightConnector1">
-              <a:avLst/>
-            </a:prstGeom>
-            <a:noFill/>
-            <a:ln w="9525">
-              <a:solidFill>
-                <a:srgbClr val="000000"/>
-              </a:solidFill>
-              <a:round/>
-              <a:headEnd/>
-              <a:tailEnd/>
-            </a:ln>
-          </p:spPr>
-        </p:cxnSp>
-        <p:cxnSp>
-          <p:nvCxnSpPr>
-            <p:cNvPr id="2068" name="AutoShape 20"/>
-            <p:cNvCxnSpPr>
-              <a:cxnSpLocks noChangeShapeType="1"/>
-            </p:cNvCxnSpPr>
-            <p:nvPr/>
-          </p:nvCxnSpPr>
-          <p:spPr bwMode="auto">
-            <a:xfrm flipV="1">
-              <a:off x="3732563" y="2568194"/>
-              <a:ext cx="70918" cy="86094"/>
-            </a:xfrm>
-            <a:prstGeom prst="straightConnector1">
-              <a:avLst/>
-            </a:prstGeom>
-            <a:noFill/>
-            <a:ln w="9525">
-              <a:solidFill>
-                <a:srgbClr val="000000"/>
-              </a:solidFill>
-              <a:round/>
-              <a:headEnd/>
-              <a:tailEnd/>
-            </a:ln>
-          </p:spPr>
-        </p:cxnSp>
-        <p:cxnSp>
-          <p:nvCxnSpPr>
-            <p:cNvPr id="2069" name="AutoShape 21"/>
-            <p:cNvCxnSpPr>
-              <a:cxnSpLocks noChangeShapeType="1"/>
-            </p:cNvCxnSpPr>
-            <p:nvPr/>
-          </p:nvCxnSpPr>
-          <p:spPr bwMode="auto">
-            <a:xfrm flipH="1" flipV="1">
-              <a:off x="3682868" y="2602741"/>
-              <a:ext cx="72989" cy="42773"/>
-            </a:xfrm>
-            <a:prstGeom prst="straightConnector1">
-              <a:avLst/>
-            </a:prstGeom>
-            <a:noFill/>
-            <a:ln w="9525">
-              <a:solidFill>
-                <a:srgbClr val="000000"/>
-              </a:solidFill>
-              <a:round/>
-              <a:headEnd/>
-              <a:tailEnd/>
-            </a:ln>
-          </p:spPr>
-        </p:cxnSp>
-        <p:sp>
-          <p:nvSpPr>
-            <p:cNvPr id="2070" name="Text Box 22"/>
-            <p:cNvSpPr txBox="1">
-              <a:spLocks noChangeArrowheads="1"/>
-            </p:cNvSpPr>
-            <p:nvPr/>
-          </p:nvSpPr>
-          <p:spPr bwMode="auto">
-            <a:xfrm>
-              <a:off x="3215685" y="2833565"/>
-              <a:ext cx="486797" cy="132448"/>
-            </a:xfrm>
-            <a:prstGeom prst="rect">
-              <a:avLst/>
-            </a:prstGeom>
-            <a:noFill/>
-            <a:ln w="9525">
-              <a:noFill/>
-              <a:miter lim="800000"/>
-              <a:headEnd/>
-              <a:tailEnd/>
-            </a:ln>
-          </p:spPr>
-          <p:txBody>
-            <a:bodyPr vert="horz" wrap="square" lIns="91440" tIns="45720" rIns="91440" bIns="45720" numCol="1" anchor="t" anchorCtr="0" compatLnSpc="1">
-              <a:prstTxWarp prst="textNoShape">
-                <a:avLst/>
-              </a:prstTxWarp>
-            </a:bodyPr>
-            <a:lstStyle/>
-            <a:p>
-              <a:pPr marL="0" marR="0" lvl="0" indent="0" algn="l" defTabSz="914400" rtl="0" eaLnBrk="1" fontAlgn="base" latinLnBrk="0" hangingPunct="1">
-                <a:lnSpc>
-                  <a:spcPct val="100000"/>
-                </a:lnSpc>
-                <a:spcBef>
-                  <a:spcPct val="0"/>
-                </a:spcBef>
-                <a:spcAft>
-                  <a:spcPts val="1000"/>
-                </a:spcAft>
-                <a:buClrTx/>
-                <a:buSzTx/>
-                <a:buFontTx/>
-                <a:buNone/>
-                <a:tabLst/>
-              </a:pPr>
-              <a:r>
-                <a:rPr kumimoji="0" lang="en-IN" sz="2400" b="0" i="0" u="none" strike="noStrike" cap="none" normalizeH="0" baseline="0" dirty="0" smtClean="0">
-                  <a:ln>
-                    <a:noFill/>
-                  </a:ln>
-                  <a:solidFill>
-                    <a:schemeClr val="tx1"/>
-                  </a:solidFill>
-                  <a:effectLst/>
-                  <a:latin typeface="Calibri" pitchFamily="34" charset="0"/>
-                  <a:cs typeface="Arial" pitchFamily="34" charset="0"/>
-                </a:rPr>
-                <a:t>create</a:t>
-              </a:r>
-              <a:endParaRPr kumimoji="0" lang="en-US" sz="2400" b="0" i="0" u="none" strike="noStrike" cap="none" normalizeH="0" baseline="0" dirty="0" smtClean="0">
+            </a:prstTxWarp>
+          </a:bodyPr>
+          <a:lstStyle/>
+          <a:p>
+            <a:pPr marL="0" marR="0" lvl="0" indent="0" algn="l" defTabSz="914400" rtl="0" eaLnBrk="1" fontAlgn="base" latinLnBrk="0" hangingPunct="1">
+              <a:lnSpc>
+                <a:spcPct val="100000"/>
+              </a:lnSpc>
+              <a:spcBef>
+                <a:spcPct val="0"/>
+              </a:spcBef>
+              <a:spcAft>
+                <a:spcPts val="1000"/>
+              </a:spcAft>
+              <a:buClrTx/>
+              <a:buSzTx/>
+              <a:buFontTx/>
+              <a:buNone/>
+              <a:tabLst/>
+            </a:pPr>
+            <a:r>
+              <a:rPr kumimoji="0" lang="en-IN" sz="2400" b="0" i="0" u="none" strike="noStrike" cap="none" normalizeH="0" baseline="0" dirty="0" smtClean="0">
                 <a:ln>
                   <a:noFill/>
                 </a:ln>
@@ -3922,75 +3911,75 @@
                   <a:schemeClr val="tx1"/>
                 </a:solidFill>
                 <a:effectLst/>
-                <a:latin typeface="Arial" pitchFamily="34" charset="0"/>
+                <a:latin typeface="Calibri" pitchFamily="34" charset="0"/>
                 <a:cs typeface="Arial" pitchFamily="34" charset="0"/>
-              </a:endParaRPr>
-            </a:p>
-          </p:txBody>
-        </p:sp>
-        <p:sp>
-          <p:nvSpPr>
-            <p:cNvPr id="2071" name="Text Box 23"/>
-            <p:cNvSpPr txBox="1">
-              <a:spLocks noChangeArrowheads="1"/>
-            </p:cNvSpPr>
-            <p:nvPr/>
-          </p:nvSpPr>
-          <p:spPr bwMode="auto">
-            <a:xfrm>
-              <a:off x="3980418" y="2830915"/>
-              <a:ext cx="556993" cy="257733"/>
-            </a:xfrm>
-            <a:prstGeom prst="rect">
+              </a:rPr>
+              <a:t>create</a:t>
+            </a:r>
+            <a:endParaRPr kumimoji="0" lang="en-US" sz="2400" b="0" i="0" u="none" strike="noStrike" cap="none" normalizeH="0" baseline="0" dirty="0" smtClean="0">
+              <a:ln>
+                <a:noFill/>
+              </a:ln>
+              <a:solidFill>
+                <a:schemeClr val="tx1"/>
+              </a:solidFill>
+              <a:effectLst/>
+              <a:latin typeface="Arial" pitchFamily="34" charset="0"/>
+              <a:cs typeface="Arial" pitchFamily="34" charset="0"/>
+            </a:endParaRPr>
+          </a:p>
+        </p:txBody>
+      </p:sp>
+      <p:sp>
+        <p:nvSpPr>
+          <p:cNvPr id="2071" name="Text Box 23"/>
+          <p:cNvSpPr txBox="1">
+            <a:spLocks noChangeArrowheads="1"/>
+          </p:cNvSpPr>
+          <p:nvPr/>
+        </p:nvSpPr>
+        <p:spPr bwMode="auto">
+          <a:xfrm>
+            <a:off x="3607141" y="4040894"/>
+            <a:ext cx="1327689" cy="631015"/>
+          </a:xfrm>
+          <a:prstGeom prst="rect">
+            <a:avLst/>
+          </a:prstGeom>
+          <a:noFill/>
+          <a:ln w="9525">
+            <a:noFill/>
+            <a:miter lim="800000"/>
+            <a:headEnd/>
+            <a:tailEnd/>
+          </a:ln>
+        </p:spPr>
+        <p:txBody>
+          <a:bodyPr vert="horz" wrap="square" lIns="91440" tIns="45720" rIns="91440" bIns="45720" numCol="1" anchor="t" anchorCtr="0" compatLnSpc="1">
+            <a:prstTxWarp prst="textNoShape">
               <a:avLst/>
-            </a:prstGeom>
-            <a:noFill/>
-            <a:ln w="9525">
-              <a:noFill/>
-              <a:miter lim="800000"/>
-              <a:headEnd/>
-              <a:tailEnd/>
-            </a:ln>
-          </p:spPr>
-          <p:txBody>
-            <a:bodyPr vert="horz" wrap="square" lIns="91440" tIns="45720" rIns="91440" bIns="45720" numCol="1" anchor="t" anchorCtr="0" compatLnSpc="1">
-              <a:prstTxWarp prst="textNoShape">
-                <a:avLst/>
-              </a:prstTxWarp>
-            </a:bodyPr>
-            <a:lstStyle/>
-            <a:p>
-              <a:pPr marL="0" marR="0" lvl="0" indent="0" algn="l" defTabSz="914400" rtl="0" eaLnBrk="1" fontAlgn="base" latinLnBrk="0" hangingPunct="1">
-                <a:lnSpc>
-                  <a:spcPct val="100000"/>
-                </a:lnSpc>
-                <a:spcBef>
-                  <a:spcPct val="0"/>
-                </a:spcBef>
-                <a:spcAft>
-                  <a:spcPts val="1000"/>
-                </a:spcAft>
-                <a:buClrTx/>
-                <a:buSzTx/>
-                <a:buFontTx/>
-                <a:buNone/>
-                <a:tabLst/>
-              </a:pPr>
-              <a:r>
-                <a:rPr kumimoji="0" lang="en-IN" sz="2400" b="0" i="0" u="none" strike="noStrike" cap="none" normalizeH="0" baseline="0" dirty="0" smtClean="0">
-                  <a:ln>
-                    <a:noFill/>
-                  </a:ln>
-                  <a:solidFill>
-                    <a:schemeClr val="tx1"/>
-                  </a:solidFill>
-                  <a:effectLst/>
-                  <a:latin typeface="Calibri" pitchFamily="34" charset="0"/>
-                  <a:cs typeface="Arial" pitchFamily="34" charset="0"/>
-                </a:rPr>
-                <a:t>update</a:t>
-              </a:r>
-              <a:endParaRPr kumimoji="0" lang="en-US" sz="2400" b="0" i="0" u="none" strike="noStrike" cap="none" normalizeH="0" baseline="0" dirty="0" smtClean="0">
+            </a:prstTxWarp>
+          </a:bodyPr>
+          <a:lstStyle/>
+          <a:p>
+            <a:pPr marL="0" marR="0" lvl="0" indent="0" algn="l" defTabSz="914400" rtl="0" eaLnBrk="1" fontAlgn="base" latinLnBrk="0" hangingPunct="1">
+              <a:lnSpc>
+                <a:spcPct val="100000"/>
+              </a:lnSpc>
+              <a:spcBef>
+                <a:spcPct val="0"/>
+              </a:spcBef>
+              <a:spcAft>
+                <a:spcPts val="1000"/>
+              </a:spcAft>
+              <a:buClrTx/>
+              <a:buSzTx/>
+              <a:buFontTx/>
+              <a:buNone/>
+              <a:tabLst/>
+            </a:pPr>
+            <a:r>
+              <a:rPr kumimoji="0" lang="en-IN" sz="2400" b="0" i="0" u="none" strike="noStrike" cap="none" normalizeH="0" baseline="0" dirty="0" smtClean="0">
                 <a:ln>
                   <a:noFill/>
                 </a:ln>
@@ -3998,75 +3987,75 @@
                   <a:schemeClr val="tx1"/>
                 </a:solidFill>
                 <a:effectLst/>
-                <a:latin typeface="Arial" pitchFamily="34" charset="0"/>
+                <a:latin typeface="Calibri" pitchFamily="34" charset="0"/>
                 <a:cs typeface="Arial" pitchFamily="34" charset="0"/>
-              </a:endParaRPr>
-            </a:p>
-          </p:txBody>
-        </p:sp>
-        <p:sp>
-          <p:nvSpPr>
-            <p:cNvPr id="2072" name="Text Box 24"/>
-            <p:cNvSpPr txBox="1">
-              <a:spLocks noChangeArrowheads="1"/>
-            </p:cNvSpPr>
-            <p:nvPr/>
-          </p:nvSpPr>
-          <p:spPr bwMode="auto">
-            <a:xfrm>
-              <a:off x="3786290" y="2176659"/>
-              <a:ext cx="469510" cy="257733"/>
-            </a:xfrm>
-            <a:prstGeom prst="rect">
+              </a:rPr>
+              <a:t>update</a:t>
+            </a:r>
+            <a:endParaRPr kumimoji="0" lang="en-US" sz="2400" b="0" i="0" u="none" strike="noStrike" cap="none" normalizeH="0" baseline="0" dirty="0" smtClean="0">
+              <a:ln>
+                <a:noFill/>
+              </a:ln>
+              <a:solidFill>
+                <a:schemeClr val="tx1"/>
+              </a:solidFill>
+              <a:effectLst/>
+              <a:latin typeface="Arial" pitchFamily="34" charset="0"/>
+              <a:cs typeface="Arial" pitchFamily="34" charset="0"/>
+            </a:endParaRPr>
+          </a:p>
+        </p:txBody>
+      </p:sp>
+      <p:sp>
+        <p:nvSpPr>
+          <p:cNvPr id="2072" name="Text Box 24"/>
+          <p:cNvSpPr txBox="1">
+            <a:spLocks noChangeArrowheads="1"/>
+          </p:cNvSpPr>
+          <p:nvPr/>
+        </p:nvSpPr>
+        <p:spPr bwMode="auto">
+          <a:xfrm>
+            <a:off x="3134363" y="2439059"/>
+            <a:ext cx="1119159" cy="631015"/>
+          </a:xfrm>
+          <a:prstGeom prst="rect">
+            <a:avLst/>
+          </a:prstGeom>
+          <a:noFill/>
+          <a:ln w="9525">
+            <a:noFill/>
+            <a:miter lim="800000"/>
+            <a:headEnd/>
+            <a:tailEnd/>
+          </a:ln>
+        </p:spPr>
+        <p:txBody>
+          <a:bodyPr vert="horz" wrap="square" lIns="91440" tIns="45720" rIns="91440" bIns="45720" numCol="1" anchor="t" anchorCtr="0" compatLnSpc="1">
+            <a:prstTxWarp prst="textNoShape">
               <a:avLst/>
-            </a:prstGeom>
-            <a:noFill/>
-            <a:ln w="9525">
-              <a:noFill/>
-              <a:miter lim="800000"/>
-              <a:headEnd/>
-              <a:tailEnd/>
-            </a:ln>
-          </p:spPr>
-          <p:txBody>
-            <a:bodyPr vert="horz" wrap="square" lIns="91440" tIns="45720" rIns="91440" bIns="45720" numCol="1" anchor="t" anchorCtr="0" compatLnSpc="1">
-              <a:prstTxWarp prst="textNoShape">
-                <a:avLst/>
-              </a:prstTxWarp>
-            </a:bodyPr>
-            <a:lstStyle/>
-            <a:p>
-              <a:pPr marL="0" marR="0" lvl="0" indent="0" algn="l" defTabSz="914400" rtl="0" eaLnBrk="1" fontAlgn="base" latinLnBrk="0" hangingPunct="1">
-                <a:lnSpc>
-                  <a:spcPct val="100000"/>
-                </a:lnSpc>
-                <a:spcBef>
-                  <a:spcPct val="0"/>
-                </a:spcBef>
-                <a:spcAft>
-                  <a:spcPts val="1000"/>
-                </a:spcAft>
-                <a:buClrTx/>
-                <a:buSzTx/>
-                <a:buFontTx/>
-                <a:buNone/>
-                <a:tabLst/>
-              </a:pPr>
-              <a:r>
-                <a:rPr kumimoji="0" lang="en-IN" sz="2400" b="0" i="0" u="none" strike="noStrike" cap="none" normalizeH="0" baseline="0" dirty="0" smtClean="0">
-                  <a:ln>
-                    <a:noFill/>
-                  </a:ln>
-                  <a:solidFill>
-                    <a:schemeClr val="tx1"/>
-                  </a:solidFill>
-                  <a:effectLst/>
-                  <a:latin typeface="Calibri" pitchFamily="34" charset="0"/>
-                  <a:cs typeface="Arial" pitchFamily="34" charset="0"/>
-                </a:rPr>
-                <a:t>next</a:t>
-              </a:r>
-              <a:endParaRPr kumimoji="0" lang="en-US" sz="2400" b="0" i="0" u="none" strike="noStrike" cap="none" normalizeH="0" baseline="0" dirty="0" smtClean="0">
+            </a:prstTxWarp>
+          </a:bodyPr>
+          <a:lstStyle/>
+          <a:p>
+            <a:pPr marL="0" marR="0" lvl="0" indent="0" algn="l" defTabSz="914400" rtl="0" eaLnBrk="1" fontAlgn="base" latinLnBrk="0" hangingPunct="1">
+              <a:lnSpc>
+                <a:spcPct val="100000"/>
+              </a:lnSpc>
+              <a:spcBef>
+                <a:spcPct val="0"/>
+              </a:spcBef>
+              <a:spcAft>
+                <a:spcPts val="1000"/>
+              </a:spcAft>
+              <a:buClrTx/>
+              <a:buSzTx/>
+              <a:buFontTx/>
+              <a:buNone/>
+              <a:tabLst/>
+            </a:pPr>
+            <a:r>
+              <a:rPr kumimoji="0" lang="en-IN" sz="2400" b="0" i="0" u="none" strike="noStrike" cap="none" normalizeH="0" baseline="0" dirty="0" smtClean="0">
                 <a:ln>
                   <a:noFill/>
                 </a:ln>
@@ -4074,89 +4063,89 @@
                   <a:schemeClr val="tx1"/>
                 </a:solidFill>
                 <a:effectLst/>
-                <a:latin typeface="Arial" pitchFamily="34" charset="0"/>
+                <a:latin typeface="Calibri" pitchFamily="34" charset="0"/>
                 <a:cs typeface="Arial" pitchFamily="34" charset="0"/>
-              </a:endParaRPr>
-            </a:p>
-          </p:txBody>
-        </p:sp>
-        <p:sp>
-          <p:nvSpPr>
-            <p:cNvPr id="2073" name="Text Box 25"/>
-            <p:cNvSpPr txBox="1">
-              <a:spLocks noChangeArrowheads="1"/>
-            </p:cNvSpPr>
-            <p:nvPr/>
-          </p:nvSpPr>
-          <p:spPr bwMode="auto">
-            <a:xfrm>
-              <a:off x="4750158" y="2825084"/>
-              <a:ext cx="568381" cy="378374"/>
-            </a:xfrm>
-            <a:prstGeom prst="rect">
+              </a:rPr>
+              <a:t>next</a:t>
+            </a:r>
+            <a:endParaRPr kumimoji="0" lang="en-US" sz="2400" b="0" i="0" u="none" strike="noStrike" cap="none" normalizeH="0" baseline="0" dirty="0" smtClean="0">
+              <a:ln>
+                <a:noFill/>
+              </a:ln>
+              <a:solidFill>
+                <a:schemeClr val="tx1"/>
+              </a:solidFill>
+              <a:effectLst/>
+              <a:latin typeface="Arial" pitchFamily="34" charset="0"/>
+              <a:cs typeface="Arial" pitchFamily="34" charset="0"/>
+            </a:endParaRPr>
+          </a:p>
+        </p:txBody>
+      </p:sp>
+      <p:sp>
+        <p:nvSpPr>
+          <p:cNvPr id="2073" name="Text Box 25"/>
+          <p:cNvSpPr txBox="1">
+            <a:spLocks noChangeArrowheads="1"/>
+          </p:cNvSpPr>
+          <p:nvPr/>
+        </p:nvSpPr>
+        <p:spPr bwMode="auto">
+          <a:xfrm>
+            <a:off x="5441949" y="4026618"/>
+            <a:ext cx="1354835" cy="926384"/>
+          </a:xfrm>
+          <a:prstGeom prst="rect">
+            <a:avLst/>
+          </a:prstGeom>
+          <a:noFill/>
+          <a:ln w="9525">
+            <a:noFill/>
+            <a:miter lim="800000"/>
+            <a:headEnd/>
+            <a:tailEnd/>
+          </a:ln>
+        </p:spPr>
+        <p:txBody>
+          <a:bodyPr vert="horz" wrap="square" lIns="91440" tIns="45720" rIns="91440" bIns="45720" numCol="1" anchor="t" anchorCtr="0" compatLnSpc="1">
+            <a:prstTxWarp prst="textNoShape">
               <a:avLst/>
-            </a:prstGeom>
-            <a:noFill/>
-            <a:ln w="9525">
-              <a:noFill/>
-              <a:miter lim="800000"/>
-              <a:headEnd/>
-              <a:tailEnd/>
-            </a:ln>
-          </p:spPr>
-          <p:txBody>
-            <a:bodyPr vert="horz" wrap="square" lIns="91440" tIns="45720" rIns="91440" bIns="45720" numCol="1" anchor="t" anchorCtr="0" compatLnSpc="1">
-              <a:prstTxWarp prst="textNoShape">
-                <a:avLst/>
-              </a:prstTxWarp>
-            </a:bodyPr>
-            <a:lstStyle/>
-            <a:p>
-              <a:pPr marL="0" marR="0" lvl="0" indent="0" algn="l" defTabSz="914400" rtl="0" eaLnBrk="1" fontAlgn="base" latinLnBrk="0" hangingPunct="1">
-                <a:lnSpc>
-                  <a:spcPct val="100000"/>
-                </a:lnSpc>
-                <a:spcBef>
-                  <a:spcPct val="0"/>
-                </a:spcBef>
-                <a:spcAft>
-                  <a:spcPts val="1000"/>
-                </a:spcAft>
-                <a:buClrTx/>
-                <a:buSzTx/>
-                <a:buFontTx/>
-                <a:buNone/>
-                <a:tabLst/>
-              </a:pPr>
-              <a:r>
-                <a:rPr lang="en-IN" sz="2400" dirty="0">
-                  <a:latin typeface="Calibri" pitchFamily="34" charset="0"/>
-                  <a:cs typeface="Arial" pitchFamily="34" charset="0"/>
-                </a:rPr>
-                <a:t> </a:t>
-              </a:r>
-              <a:r>
-                <a:rPr lang="en-IN" sz="2400" dirty="0" smtClean="0">
-                  <a:latin typeface="Calibri" pitchFamily="34" charset="0"/>
-                  <a:cs typeface="Arial" pitchFamily="34" charset="0"/>
-                </a:rPr>
-                <a:t>  </a:t>
-              </a:r>
-              <a:r>
-                <a:rPr kumimoji="0" lang="en-IN" sz="2400" b="0" i="0" u="none" strike="noStrike" cap="none" normalizeH="0" baseline="0" dirty="0" smtClean="0">
-                  <a:ln>
-                    <a:noFill/>
-                  </a:ln>
-                  <a:solidFill>
-                    <a:schemeClr val="tx1"/>
-                  </a:solidFill>
-                  <a:effectLst/>
-                  <a:latin typeface="Calibri" pitchFamily="34" charset="0"/>
-                  <a:cs typeface="Arial" pitchFamily="34" charset="0"/>
-                </a:rPr>
-                <a:t>next</a:t>
-              </a:r>
-              <a:endParaRPr kumimoji="0" lang="en-US" sz="2400" b="0" i="0" u="none" strike="noStrike" cap="none" normalizeH="0" baseline="0" dirty="0" smtClean="0">
+            </a:prstTxWarp>
+          </a:bodyPr>
+          <a:lstStyle/>
+          <a:p>
+            <a:pPr marL="0" marR="0" lvl="0" indent="0" algn="l" defTabSz="914400" rtl="0" eaLnBrk="1" fontAlgn="base" latinLnBrk="0" hangingPunct="1">
+              <a:lnSpc>
+                <a:spcPct val="100000"/>
+              </a:lnSpc>
+              <a:spcBef>
+                <a:spcPct val="0"/>
+              </a:spcBef>
+              <a:spcAft>
+                <a:spcPts val="1000"/>
+              </a:spcAft>
+              <a:buClrTx/>
+              <a:buSzTx/>
+              <a:buFontTx/>
+              <a:buNone/>
+              <a:tabLst/>
+            </a:pPr>
+            <a:r>
+              <a:rPr lang="en-IN" sz="2400" dirty="0">
+                <a:latin typeface="Calibri" pitchFamily="34" charset="0"/>
+                <a:cs typeface="Arial" pitchFamily="34" charset="0"/>
+              </a:rPr>
+              <a:t> </a:t>
+            </a:r>
+            <a:r>
+              <a:rPr lang="en-IN" sz="2400" dirty="0" smtClean="0">
+                <a:latin typeface="Calibri" pitchFamily="34" charset="0"/>
+                <a:cs typeface="Arial" pitchFamily="34" charset="0"/>
+              </a:rPr>
+              <a:t>  </a:t>
+            </a:r>
+            <a:r>
+              <a:rPr kumimoji="0" lang="en-IN" sz="2400" b="0" i="0" u="none" strike="noStrike" cap="none" normalizeH="0" baseline="0" dirty="0" smtClean="0">
                 <a:ln>
                   <a:noFill/>
                 </a:ln>
@@ -4164,75 +4153,75 @@
                   <a:schemeClr val="tx1"/>
                 </a:solidFill>
                 <a:effectLst/>
-                <a:latin typeface="Arial" pitchFamily="34" charset="0"/>
+                <a:latin typeface="Calibri" pitchFamily="34" charset="0"/>
                 <a:cs typeface="Arial" pitchFamily="34" charset="0"/>
-              </a:endParaRPr>
-            </a:p>
-          </p:txBody>
-        </p:sp>
-        <p:sp>
-          <p:nvSpPr>
-            <p:cNvPr id="2074" name="Text Box 26"/>
-            <p:cNvSpPr txBox="1">
-              <a:spLocks noChangeArrowheads="1"/>
-            </p:cNvSpPr>
-            <p:nvPr/>
-          </p:nvSpPr>
-          <p:spPr bwMode="auto">
-            <a:xfrm>
-              <a:off x="4639176" y="2193027"/>
-              <a:ext cx="556993" cy="257733"/>
-            </a:xfrm>
-            <a:prstGeom prst="rect">
+              </a:rPr>
+              <a:t>next</a:t>
+            </a:r>
+            <a:endParaRPr kumimoji="0" lang="en-US" sz="2400" b="0" i="0" u="none" strike="noStrike" cap="none" normalizeH="0" baseline="0" dirty="0" smtClean="0">
+              <a:ln>
+                <a:noFill/>
+              </a:ln>
+              <a:solidFill>
+                <a:schemeClr val="tx1"/>
+              </a:solidFill>
+              <a:effectLst/>
+              <a:latin typeface="Arial" pitchFamily="34" charset="0"/>
+              <a:cs typeface="Arial" pitchFamily="34" charset="0"/>
+            </a:endParaRPr>
+          </a:p>
+        </p:txBody>
+      </p:sp>
+      <p:sp>
+        <p:nvSpPr>
+          <p:cNvPr id="2074" name="Text Box 26"/>
+          <p:cNvSpPr txBox="1">
+            <a:spLocks noChangeArrowheads="1"/>
+          </p:cNvSpPr>
+          <p:nvPr/>
+        </p:nvSpPr>
+        <p:spPr bwMode="auto">
+          <a:xfrm>
+            <a:off x="5177405" y="2479133"/>
+            <a:ext cx="1327689" cy="631015"/>
+          </a:xfrm>
+          <a:prstGeom prst="rect">
+            <a:avLst/>
+          </a:prstGeom>
+          <a:noFill/>
+          <a:ln w="9525">
+            <a:noFill/>
+            <a:miter lim="800000"/>
+            <a:headEnd/>
+            <a:tailEnd/>
+          </a:ln>
+        </p:spPr>
+        <p:txBody>
+          <a:bodyPr vert="horz" wrap="square" lIns="91440" tIns="45720" rIns="91440" bIns="45720" numCol="1" anchor="t" anchorCtr="0" compatLnSpc="1">
+            <a:prstTxWarp prst="textNoShape">
               <a:avLst/>
-            </a:prstGeom>
-            <a:noFill/>
-            <a:ln w="9525">
-              <a:noFill/>
-              <a:miter lim="800000"/>
-              <a:headEnd/>
-              <a:tailEnd/>
-            </a:ln>
-          </p:spPr>
-          <p:txBody>
-            <a:bodyPr vert="horz" wrap="square" lIns="91440" tIns="45720" rIns="91440" bIns="45720" numCol="1" anchor="t" anchorCtr="0" compatLnSpc="1">
-              <a:prstTxWarp prst="textNoShape">
-                <a:avLst/>
-              </a:prstTxWarp>
-            </a:bodyPr>
-            <a:lstStyle/>
-            <a:p>
-              <a:pPr marL="0" marR="0" lvl="0" indent="0" algn="l" defTabSz="914400" rtl="0" eaLnBrk="1" fontAlgn="base" latinLnBrk="0" hangingPunct="1">
-                <a:lnSpc>
-                  <a:spcPct val="100000"/>
-                </a:lnSpc>
-                <a:spcBef>
-                  <a:spcPct val="0"/>
-                </a:spcBef>
-                <a:spcAft>
-                  <a:spcPts val="1000"/>
-                </a:spcAft>
-                <a:buClrTx/>
-                <a:buSzTx/>
-                <a:buFontTx/>
-                <a:buNone/>
-                <a:tabLst/>
-              </a:pPr>
-              <a:r>
-                <a:rPr kumimoji="0" lang="en-IN" sz="2400" b="0" i="0" u="none" strike="noStrike" cap="none" normalizeH="0" baseline="0" dirty="0" smtClean="0">
-                  <a:ln>
-                    <a:noFill/>
-                  </a:ln>
-                  <a:solidFill>
-                    <a:schemeClr val="tx1"/>
-                  </a:solidFill>
-                  <a:effectLst/>
-                  <a:latin typeface="Calibri" pitchFamily="34" charset="0"/>
-                  <a:cs typeface="Arial" pitchFamily="34" charset="0"/>
-                </a:rPr>
-                <a:t>update</a:t>
-              </a:r>
-              <a:endParaRPr kumimoji="0" lang="en-US" sz="2400" b="0" i="0" u="none" strike="noStrike" cap="none" normalizeH="0" baseline="0" dirty="0" smtClean="0">
+            </a:prstTxWarp>
+          </a:bodyPr>
+          <a:lstStyle/>
+          <a:p>
+            <a:pPr marL="0" marR="0" lvl="0" indent="0" algn="l" defTabSz="914400" rtl="0" eaLnBrk="1" fontAlgn="base" latinLnBrk="0" hangingPunct="1">
+              <a:lnSpc>
+                <a:spcPct val="100000"/>
+              </a:lnSpc>
+              <a:spcBef>
+                <a:spcPct val="0"/>
+              </a:spcBef>
+              <a:spcAft>
+                <a:spcPts val="1000"/>
+              </a:spcAft>
+              <a:buClrTx/>
+              <a:buSzTx/>
+              <a:buFontTx/>
+              <a:buNone/>
+              <a:tabLst/>
+            </a:pPr>
+            <a:r>
+              <a:rPr kumimoji="0" lang="en-IN" sz="2400" b="0" i="0" u="none" strike="noStrike" cap="none" normalizeH="0" baseline="0" dirty="0" smtClean="0">
                 <a:ln>
                   <a:noFill/>
                 </a:ln>
@@ -4240,89 +4229,75 @@
                   <a:schemeClr val="tx1"/>
                 </a:solidFill>
                 <a:effectLst/>
-                <a:latin typeface="Arial" pitchFamily="34" charset="0"/>
+                <a:latin typeface="Calibri" pitchFamily="34" charset="0"/>
                 <a:cs typeface="Arial" pitchFamily="34" charset="0"/>
-              </a:endParaRPr>
-            </a:p>
-          </p:txBody>
-        </p:sp>
-        <p:sp>
-          <p:nvSpPr>
-            <p:cNvPr id="2075" name="Text Box 27"/>
-            <p:cNvSpPr txBox="1">
-              <a:spLocks noChangeArrowheads="1"/>
-            </p:cNvSpPr>
-            <p:nvPr/>
-          </p:nvSpPr>
-          <p:spPr bwMode="auto">
-            <a:xfrm>
-              <a:off x="5196169" y="2202962"/>
-              <a:ext cx="756956" cy="355361"/>
-            </a:xfrm>
-            <a:prstGeom prst="rect">
+              </a:rPr>
+              <a:t>update</a:t>
+            </a:r>
+            <a:endParaRPr kumimoji="0" lang="en-US" sz="2400" b="0" i="0" u="none" strike="noStrike" cap="none" normalizeH="0" baseline="0" dirty="0" smtClean="0">
+              <a:ln>
+                <a:noFill/>
+              </a:ln>
+              <a:solidFill>
+                <a:schemeClr val="tx1"/>
+              </a:solidFill>
+              <a:effectLst/>
+              <a:latin typeface="Arial" pitchFamily="34" charset="0"/>
+              <a:cs typeface="Arial" pitchFamily="34" charset="0"/>
+            </a:endParaRPr>
+          </a:p>
+        </p:txBody>
+      </p:sp>
+      <p:sp>
+        <p:nvSpPr>
+          <p:cNvPr id="2075" name="Text Box 27"/>
+          <p:cNvSpPr txBox="1">
+            <a:spLocks noChangeArrowheads="1"/>
+          </p:cNvSpPr>
+          <p:nvPr/>
+        </p:nvSpPr>
+        <p:spPr bwMode="auto">
+          <a:xfrm>
+            <a:off x="6505094" y="2503457"/>
+            <a:ext cx="1804336" cy="870041"/>
+          </a:xfrm>
+          <a:prstGeom prst="rect">
+            <a:avLst/>
+          </a:prstGeom>
+          <a:noFill/>
+          <a:ln w="9525">
+            <a:noFill/>
+            <a:miter lim="800000"/>
+            <a:headEnd/>
+            <a:tailEnd/>
+          </a:ln>
+        </p:spPr>
+        <p:txBody>
+          <a:bodyPr vert="horz" wrap="square" lIns="91440" tIns="45720" rIns="91440" bIns="45720" numCol="1" anchor="t" anchorCtr="0" compatLnSpc="1">
+            <a:prstTxWarp prst="textNoShape">
               <a:avLst/>
-            </a:prstGeom>
-            <a:noFill/>
-            <a:ln w="9525">
-              <a:noFill/>
-              <a:miter lim="800000"/>
-              <a:headEnd/>
-              <a:tailEnd/>
-            </a:ln>
-          </p:spPr>
-          <p:txBody>
-            <a:bodyPr vert="horz" wrap="square" lIns="91440" tIns="45720" rIns="91440" bIns="45720" numCol="1" anchor="t" anchorCtr="0" compatLnSpc="1">
-              <a:prstTxWarp prst="textNoShape">
-                <a:avLst/>
-              </a:prstTxWarp>
-            </a:bodyPr>
-            <a:lstStyle/>
-            <a:p>
-              <a:pPr marL="0" marR="0" lvl="0" indent="0" algn="l" defTabSz="914400" rtl="0" eaLnBrk="1" fontAlgn="base" latinLnBrk="0" hangingPunct="1">
-                <a:lnSpc>
-                  <a:spcPct val="100000"/>
-                </a:lnSpc>
-                <a:spcBef>
-                  <a:spcPct val="0"/>
-                </a:spcBef>
-                <a:spcAft>
-                  <a:spcPts val="1000"/>
-                </a:spcAft>
-                <a:buClrTx/>
-                <a:buSzTx/>
-                <a:buFontTx/>
-                <a:buNone/>
-                <a:tabLst/>
-              </a:pPr>
-              <a:r>
-                <a:rPr kumimoji="0" lang="en-IN" sz="2400" b="0" i="0" u="none" strike="noStrike" cap="none" normalizeH="0" baseline="0" dirty="0" smtClean="0">
-                  <a:ln>
-                    <a:noFill/>
-                  </a:ln>
-                  <a:solidFill>
-                    <a:schemeClr val="tx1"/>
-                  </a:solidFill>
-                  <a:effectLst/>
-                  <a:latin typeface="Calibri" pitchFamily="34" charset="0"/>
-                  <a:cs typeface="Arial" pitchFamily="34" charset="0"/>
-                </a:rPr>
-                <a:t>update</a:t>
-              </a:r>
-              <a:r>
-                <a:rPr kumimoji="0" lang="en-IN" sz="2400" b="0" i="0" u="none" strike="noStrike" cap="none" normalizeH="0" baseline="0" dirty="0" smtClean="0">
-                  <a:ln>
-                    <a:noFill/>
-                  </a:ln>
-                  <a:solidFill>
-                    <a:schemeClr val="tx1"/>
-                  </a:solidFill>
-                  <a:effectLst/>
-                  <a:latin typeface="Calibri" pitchFamily="34" charset="0"/>
-                  <a:cs typeface="Arial" pitchFamily="34" charset="0"/>
-                </a:rPr>
-                <a:t>, next</a:t>
-              </a:r>
-              <a:endParaRPr kumimoji="0" lang="en-US" sz="2400" b="0" i="0" u="none" strike="noStrike" cap="none" normalizeH="0" baseline="0" dirty="0" smtClean="0">
+            </a:prstTxWarp>
+          </a:bodyPr>
+          <a:lstStyle/>
+          <a:p>
+            <a:pPr marL="0" marR="0" lvl="0" indent="0" algn="l" defTabSz="914400" rtl="0" eaLnBrk="1" fontAlgn="base" latinLnBrk="0" hangingPunct="1">
+              <a:lnSpc>
+                <a:spcPct val="100000"/>
+              </a:lnSpc>
+              <a:spcBef>
+                <a:spcPct val="0"/>
+              </a:spcBef>
+              <a:spcAft>
+                <a:spcPts val="1000"/>
+              </a:spcAft>
+              <a:buClrTx/>
+              <a:buSzTx/>
+              <a:buFontTx/>
+              <a:buNone/>
+              <a:tabLst/>
+            </a:pPr>
+            <a:r>
+              <a:rPr kumimoji="0" lang="en-IN" sz="2400" b="0" i="0" u="none" strike="noStrike" cap="none" normalizeH="0" baseline="0" dirty="0" smtClean="0">
                 <a:ln>
                   <a:noFill/>
                 </a:ln>
@@ -4330,130 +4305,142 @@
                   <a:schemeClr val="tx1"/>
                 </a:solidFill>
                 <a:effectLst/>
-                <a:latin typeface="Arial" pitchFamily="34" charset="0"/>
+                <a:latin typeface="Calibri" pitchFamily="34" charset="0"/>
                 <a:cs typeface="Arial" pitchFamily="34" charset="0"/>
-              </a:endParaRPr>
-            </a:p>
-          </p:txBody>
-        </p:sp>
-        <p:cxnSp>
-          <p:nvCxnSpPr>
-            <p:cNvPr id="2076" name="AutoShape 28"/>
-            <p:cNvCxnSpPr>
-              <a:cxnSpLocks noChangeShapeType="1"/>
-            </p:cNvCxnSpPr>
-            <p:nvPr/>
-          </p:nvCxnSpPr>
-          <p:spPr bwMode="auto">
-            <a:xfrm flipV="1">
-              <a:off x="4807516" y="2841830"/>
-              <a:ext cx="358950" cy="2"/>
-            </a:xfrm>
-            <a:prstGeom prst="straightConnector1">
-              <a:avLst/>
-            </a:prstGeom>
-            <a:noFill/>
-            <a:ln w="9525">
+              </a:rPr>
+              <a:t>update, next</a:t>
+            </a:r>
+            <a:endParaRPr kumimoji="0" lang="en-US" sz="2400" b="0" i="0" u="none" strike="noStrike" cap="none" normalizeH="0" baseline="0" dirty="0" smtClean="0">
+              <a:ln>
+                <a:noFill/>
+              </a:ln>
               <a:solidFill>
-                <a:srgbClr val="000000"/>
+                <a:schemeClr val="tx1"/>
               </a:solidFill>
-              <a:round/>
-              <a:headEnd/>
-              <a:tailEnd type="stealth" w="lg" len="lg"/>
-            </a:ln>
-          </p:spPr>
-        </p:cxnSp>
-        <p:cxnSp>
-          <p:nvCxnSpPr>
-            <p:cNvPr id="2077" name="AutoShape 29"/>
-            <p:cNvCxnSpPr>
-              <a:cxnSpLocks noChangeShapeType="1"/>
-            </p:cNvCxnSpPr>
-            <p:nvPr/>
-          </p:nvCxnSpPr>
-          <p:spPr bwMode="auto">
-            <a:xfrm flipV="1">
-              <a:off x="5358605" y="2558323"/>
-              <a:ext cx="70918" cy="86094"/>
-            </a:xfrm>
-            <a:prstGeom prst="straightConnector1">
-              <a:avLst/>
-            </a:prstGeom>
-            <a:noFill/>
-            <a:ln w="9525">
-              <a:solidFill>
-                <a:srgbClr val="000000"/>
-              </a:solidFill>
-              <a:round/>
-              <a:headEnd/>
-              <a:tailEnd/>
-            </a:ln>
-          </p:spPr>
-        </p:cxnSp>
-        <p:cxnSp>
-          <p:nvCxnSpPr>
-            <p:cNvPr id="2078" name="AutoShape 30"/>
-            <p:cNvCxnSpPr>
-              <a:cxnSpLocks noChangeShapeType="1"/>
-            </p:cNvCxnSpPr>
-            <p:nvPr/>
-          </p:nvCxnSpPr>
-          <p:spPr bwMode="auto">
-            <a:xfrm flipH="1" flipV="1">
-              <a:off x="5293381" y="2596161"/>
-              <a:ext cx="72989" cy="42773"/>
-            </a:xfrm>
-            <a:prstGeom prst="straightConnector1">
-              <a:avLst/>
-            </a:prstGeom>
-            <a:noFill/>
-            <a:ln w="9525">
-              <a:solidFill>
-                <a:srgbClr val="000000"/>
-              </a:solidFill>
-              <a:round/>
-              <a:headEnd/>
-              <a:tailEnd/>
-            </a:ln>
-          </p:spPr>
-        </p:cxnSp>
-        <p:sp>
-          <p:nvSpPr>
-            <p:cNvPr id="44" name="TextBox 43"/>
-            <p:cNvSpPr txBox="1"/>
-            <p:nvPr/>
-          </p:nvSpPr>
-          <p:spPr>
-            <a:xfrm>
-              <a:off x="5240174" y="2714625"/>
-              <a:ext cx="249776" cy="188563"/>
-            </a:xfrm>
-            <a:prstGeom prst="rect">
-              <a:avLst/>
-            </a:prstGeom>
-            <a:noFill/>
-          </p:spPr>
-          <p:txBody>
-            <a:bodyPr wrap="none" rtlCol="0">
-              <a:spAutoFit/>
-            </a:bodyPr>
-            <a:lstStyle/>
-            <a:p>
-              <a:r>
-                <a:rPr lang="en-US" sz="2400" b="1" dirty="0" smtClean="0">
-                  <a:latin typeface="Arial"/>
-                  <a:cs typeface="Arial"/>
-                </a:rPr>
-                <a:t>err</a:t>
-              </a:r>
-              <a:endParaRPr lang="en-IN" sz="2400" b="1" dirty="0">
+              <a:effectLst/>
+              <a:latin typeface="Arial" pitchFamily="34" charset="0"/>
+              <a:cs typeface="Arial" pitchFamily="34" charset="0"/>
+            </a:endParaRPr>
+          </a:p>
+        </p:txBody>
+      </p:sp>
+      <p:cxnSp>
+        <p:nvCxnSpPr>
+          <p:cNvPr id="2076" name="AutoShape 28"/>
+          <p:cNvCxnSpPr>
+            <a:cxnSpLocks noChangeShapeType="1"/>
+          </p:cNvCxnSpPr>
+          <p:nvPr/>
+        </p:nvCxnSpPr>
+        <p:spPr bwMode="auto">
+          <a:xfrm flipV="1">
+            <a:off x="5578672" y="4067617"/>
+            <a:ext cx="855620" cy="5"/>
+          </a:xfrm>
+          <a:prstGeom prst="straightConnector1">
+            <a:avLst/>
+          </a:prstGeom>
+          <a:noFill/>
+          <a:ln w="9525">
+            <a:solidFill>
+              <a:srgbClr val="000000"/>
+            </a:solidFill>
+            <a:round/>
+            <a:headEnd/>
+            <a:tailEnd type="stealth" w="lg" len="lg"/>
+          </a:ln>
+        </p:spPr>
+      </p:cxnSp>
+      <p:cxnSp>
+        <p:nvCxnSpPr>
+          <p:cNvPr id="2077" name="AutoShape 29"/>
+          <p:cNvCxnSpPr>
+            <a:cxnSpLocks noChangeShapeType="1"/>
+          </p:cNvCxnSpPr>
+          <p:nvPr/>
+        </p:nvCxnSpPr>
+        <p:spPr bwMode="auto">
+          <a:xfrm flipV="1">
+            <a:off x="6902881" y="3408242"/>
+            <a:ext cx="111223" cy="159933"/>
+          </a:xfrm>
+          <a:prstGeom prst="straightConnector1">
+            <a:avLst/>
+          </a:prstGeom>
+          <a:noFill/>
+          <a:ln w="9525">
+            <a:solidFill>
+              <a:srgbClr val="000000"/>
+            </a:solidFill>
+            <a:round/>
+            <a:headEnd/>
+            <a:tailEnd/>
+          </a:ln>
+        </p:spPr>
+      </p:cxnSp>
+      <p:cxnSp>
+        <p:nvCxnSpPr>
+          <p:cNvPr id="2078" name="AutoShape 30"/>
+          <p:cNvCxnSpPr>
+            <a:cxnSpLocks noChangeShapeType="1"/>
+          </p:cNvCxnSpPr>
+          <p:nvPr/>
+        </p:nvCxnSpPr>
+        <p:spPr bwMode="auto">
+          <a:xfrm flipH="1" flipV="1">
+            <a:off x="6772210" y="3452153"/>
+            <a:ext cx="127774" cy="118223"/>
+          </a:xfrm>
+          <a:prstGeom prst="straightConnector1">
+            <a:avLst/>
+          </a:prstGeom>
+          <a:noFill/>
+          <a:ln w="9525">
+            <a:solidFill>
+              <a:srgbClr val="000000"/>
+            </a:solidFill>
+            <a:round/>
+            <a:headEnd/>
+            <a:tailEnd/>
+          </a:ln>
+        </p:spPr>
+      </p:cxnSp>
+      <p:sp>
+        <p:nvSpPr>
+          <p:cNvPr id="44" name="TextBox 43"/>
+          <p:cNvSpPr txBox="1"/>
+          <p:nvPr/>
+        </p:nvSpPr>
+        <p:spPr>
+          <a:xfrm>
+            <a:off x="6609988" y="3756177"/>
+            <a:ext cx="595384" cy="461664"/>
+          </a:xfrm>
+          <a:prstGeom prst="rect">
+            <a:avLst/>
+          </a:prstGeom>
+          <a:noFill/>
+        </p:spPr>
+        <p:txBody>
+          <a:bodyPr wrap="none" rtlCol="0">
+            <a:spAutoFit/>
+          </a:bodyPr>
+          <a:lstStyle/>
+          <a:p>
+            <a:r>
+              <a:rPr lang="en-US" sz="2400" b="1" dirty="0" smtClean="0">
                 <a:latin typeface="Arial"/>
                 <a:cs typeface="Arial"/>
-              </a:endParaRPr>
-            </a:p>
-          </p:txBody>
-        </p:sp>
-      </p:grpSp>
+              </a:rPr>
+              <a:t>err</a:t>
+            </a:r>
+            <a:endParaRPr lang="en-IN" sz="2400" b="1" dirty="0">
+              <a:latin typeface="Arial"/>
+              <a:cs typeface="Arial"/>
+            </a:endParaRPr>
+          </a:p>
+        </p:txBody>
+      </p:sp>
       <p:cxnSp>
         <p:nvCxnSpPr>
           <p:cNvPr id="35" name="AutoShape 28"/>
